--- a/doc/task02/Task 2.pptx
+++ b/doc/task02/Task 2.pptx
@@ -5,22 +5,21 @@
     <p:sldMasterId id="2147483660" r:id="rId2"/>
   </p:sldMasterIdLst>
   <p:notesMasterIdLst>
-    <p:notesMasterId r:id="rId13"/>
+    <p:notesMasterId r:id="rId12"/>
   </p:notesMasterIdLst>
   <p:handoutMasterIdLst>
-    <p:handoutMasterId r:id="rId14"/>
+    <p:handoutMasterId r:id="rId13"/>
   </p:handoutMasterIdLst>
   <p:sldIdLst>
     <p:sldId id="279" r:id="rId3"/>
     <p:sldId id="273" r:id="rId4"/>
-    <p:sldId id="280" r:id="rId5"/>
-    <p:sldId id="288" r:id="rId6"/>
-    <p:sldId id="287" r:id="rId7"/>
-    <p:sldId id="281" r:id="rId8"/>
-    <p:sldId id="290" r:id="rId9"/>
-    <p:sldId id="292" r:id="rId10"/>
-    <p:sldId id="293" r:id="rId11"/>
-    <p:sldId id="295" r:id="rId12"/>
+    <p:sldId id="288" r:id="rId5"/>
+    <p:sldId id="287" r:id="rId6"/>
+    <p:sldId id="296" r:id="rId7"/>
+    <p:sldId id="290" r:id="rId8"/>
+    <p:sldId id="292" r:id="rId9"/>
+    <p:sldId id="293" r:id="rId10"/>
+    <p:sldId id="295" r:id="rId11"/>
   </p:sldIdLst>
   <p:sldSz cx="12188825" cy="6858000"/>
   <p:notesSz cx="6858000" cy="9144000"/>
@@ -121,7 +120,7 @@
   </p:defaultTextStyle>
   <p:extLst>
     <p:ext uri="{EFAFB233-063F-42B5-8137-9DF3F51BA10A}">
-      <p15:sldGuideLst xmlns:p15="http://schemas.microsoft.com/office/powerpoint/2012/main" xmlns="">
+      <p15:sldGuideLst xmlns="" xmlns:p15="http://schemas.microsoft.com/office/powerpoint/2012/main">
         <p15:guide id="1" orient="horz" pos="2160">
           <p15:clr>
             <a:srgbClr val="A4A3A4"/>
@@ -135,7 +134,7 @@
       </p15:sldGuideLst>
     </p:ext>
     <p:ext uri="{2D200454-40CA-4A62-9FC3-DE9A4176ACB9}">
-      <p15:notesGuideLst xmlns:p15="http://schemas.microsoft.com/office/powerpoint/2012/main" xmlns="">
+      <p15:notesGuideLst xmlns="" xmlns:p15="http://schemas.microsoft.com/office/powerpoint/2012/main">
         <p15:guide id="1" orient="horz" pos="2880">
           <p15:clr>
             <a:srgbClr val="A4A3A4"/>
@@ -666,6 +665,1041 @@
 </p:notesMaster>
 </file>
 
+<file path=ppt/notesSlides/notesSlide1.xml><?xml version="1.0" encoding="utf-8"?>
+<p:notes xmlns:a="http://schemas.openxmlformats.org/drawingml/2006/main" xmlns:r="http://schemas.openxmlformats.org/officeDocument/2006/relationships" xmlns:p="http://schemas.openxmlformats.org/presentationml/2006/main">
+  <p:cSld>
+    <p:spTree>
+      <p:nvGrpSpPr>
+        <p:cNvPr id="1" name=""/>
+        <p:cNvGrpSpPr/>
+        <p:nvPr/>
+      </p:nvGrpSpPr>
+      <p:grpSpPr>
+        <a:xfrm>
+          <a:off x="0" y="0"/>
+          <a:ext cx="0" cy="0"/>
+          <a:chOff x="0" y="0"/>
+          <a:chExt cx="0" cy="0"/>
+        </a:xfrm>
+      </p:grpSpPr>
+      <p:sp>
+        <p:nvSpPr>
+          <p:cNvPr id="2" name="Folienbildplatzhalter 1"/>
+          <p:cNvSpPr>
+            <a:spLocks noGrp="1" noRot="1" noChangeAspect="1"/>
+          </p:cNvSpPr>
+          <p:nvPr>
+            <p:ph type="sldImg"/>
+          </p:nvPr>
+        </p:nvSpPr>
+        <p:spPr/>
+      </p:sp>
+      <p:sp>
+        <p:nvSpPr>
+          <p:cNvPr id="3" name="Notizenplatzhalter 2"/>
+          <p:cNvSpPr>
+            <a:spLocks noGrp="1"/>
+          </p:cNvSpPr>
+          <p:nvPr>
+            <p:ph type="body" idx="1"/>
+          </p:nvPr>
+        </p:nvSpPr>
+        <p:spPr/>
+        <p:txBody>
+          <a:bodyPr/>
+          <a:lstStyle/>
+          <a:p>
+            <a:r>
+              <a:rPr lang="en-US" dirty="0" smtClean="0"/>
+              <a:t>- </a:t>
+            </a:r>
+            <a:r>
+              <a:rPr lang="en-US" baseline="0" dirty="0" smtClean="0"/>
+              <a:t>    </a:t>
+            </a:r>
+            <a:r>
+              <a:rPr lang="en-US" dirty="0" err="1" smtClean="0"/>
+              <a:t>Alles</a:t>
+            </a:r>
+            <a:r>
+              <a:rPr lang="en-US" dirty="0" smtClean="0"/>
+              <a:t> </a:t>
+            </a:r>
+            <a:r>
+              <a:rPr lang="en-US" dirty="0" err="1" smtClean="0"/>
+              <a:t>softwareentwickler</a:t>
+            </a:r>
+            <a:endParaRPr lang="en-US" dirty="0" smtClean="0"/>
+          </a:p>
+          <a:p>
+            <a:pPr marL="285750" indent="-285750">
+              <a:buFontTx/>
+              <a:buChar char="-"/>
+            </a:pPr>
+            <a:r>
+              <a:rPr lang="en-US" dirty="0" err="1" smtClean="0"/>
+              <a:t>Einheitskrankenkasse</a:t>
+            </a:r>
+            <a:r>
+              <a:rPr lang="en-US" baseline="0" dirty="0" smtClean="0"/>
+              <a:t> / </a:t>
+            </a:r>
+            <a:r>
+              <a:rPr lang="en-US" baseline="0" dirty="0" err="1" smtClean="0"/>
+              <a:t>spitex</a:t>
+            </a:r>
+            <a:r>
+              <a:rPr lang="en-US" baseline="0" dirty="0" smtClean="0"/>
+              <a:t> </a:t>
+            </a:r>
+            <a:r>
+              <a:rPr lang="en-US" baseline="0" dirty="0" err="1" smtClean="0"/>
+              <a:t>gekürtzt</a:t>
+            </a:r>
+            <a:endParaRPr lang="en-US" baseline="0" dirty="0" smtClean="0"/>
+          </a:p>
+          <a:p>
+            <a:pPr marL="285750" indent="-285750">
+              <a:buFontTx/>
+              <a:buChar char="-"/>
+            </a:pPr>
+            <a:r>
+              <a:rPr lang="en-US" baseline="0" dirty="0" smtClean="0"/>
+              <a:t>System </a:t>
+            </a:r>
+            <a:r>
+              <a:rPr lang="en-US" baseline="0" dirty="0" err="1" smtClean="0"/>
+              <a:t>kann</a:t>
+            </a:r>
+            <a:r>
+              <a:rPr lang="en-US" baseline="0" dirty="0" smtClean="0"/>
+              <a:t> </a:t>
+            </a:r>
+            <a:r>
+              <a:rPr lang="en-US" baseline="0" dirty="0" err="1" smtClean="0"/>
+              <a:t>sehr</a:t>
+            </a:r>
+            <a:r>
+              <a:rPr lang="en-US" baseline="0" dirty="0" smtClean="0"/>
+              <a:t> gut </a:t>
+            </a:r>
+            <a:r>
+              <a:rPr lang="en-US" baseline="0" dirty="0" err="1" smtClean="0"/>
+              <a:t>ausgebaut</a:t>
+            </a:r>
+            <a:r>
+              <a:rPr lang="en-US" baseline="0" dirty="0" smtClean="0"/>
+              <a:t> </a:t>
+            </a:r>
+            <a:r>
+              <a:rPr lang="en-US" baseline="0" dirty="0" err="1" smtClean="0"/>
+              <a:t>werden</a:t>
+            </a:r>
+            <a:r>
+              <a:rPr lang="en-US" baseline="0" dirty="0" smtClean="0"/>
+              <a:t>.</a:t>
+            </a:r>
+          </a:p>
+          <a:p>
+            <a:pPr marL="285750" indent="-285750">
+              <a:buFontTx/>
+              <a:buChar char="-"/>
+            </a:pPr>
+            <a:r>
+              <a:rPr lang="en-US" baseline="0" dirty="0" err="1" smtClean="0"/>
+              <a:t>Gesundheitssystem</a:t>
+            </a:r>
+            <a:r>
+              <a:rPr lang="en-US" baseline="0" dirty="0" smtClean="0"/>
+              <a:t> </a:t>
+            </a:r>
+            <a:r>
+              <a:rPr lang="en-US" baseline="0" dirty="0" err="1" smtClean="0"/>
+              <a:t>ändert</a:t>
+            </a:r>
+            <a:r>
+              <a:rPr lang="en-US" baseline="0" dirty="0" smtClean="0"/>
+              <a:t> </a:t>
+            </a:r>
+            <a:r>
+              <a:rPr lang="en-US" baseline="0" dirty="0" err="1" smtClean="0"/>
+              <a:t>sich</a:t>
+            </a:r>
+            <a:r>
+              <a:rPr lang="en-US" baseline="0" dirty="0" smtClean="0"/>
+              <a:t> -&gt; </a:t>
+            </a:r>
+            <a:r>
+              <a:rPr lang="en-US" baseline="0" dirty="0" err="1" smtClean="0"/>
+              <a:t>anforderung</a:t>
+            </a:r>
+            <a:r>
+              <a:rPr lang="en-US" baseline="0" dirty="0" smtClean="0"/>
+              <a:t> </a:t>
+            </a:r>
+            <a:r>
+              <a:rPr lang="en-US" baseline="0" dirty="0" err="1" smtClean="0"/>
+              <a:t>ändern</a:t>
+            </a:r>
+            <a:r>
+              <a:rPr lang="en-US" baseline="0" dirty="0" smtClean="0"/>
+              <a:t> </a:t>
+            </a:r>
+            <a:r>
+              <a:rPr lang="en-US" baseline="0" dirty="0" err="1" smtClean="0"/>
+              <a:t>sich</a:t>
+            </a:r>
+            <a:endParaRPr lang="en-US" baseline="0" dirty="0" smtClean="0"/>
+          </a:p>
+          <a:p>
+            <a:pPr marL="285750" indent="-285750">
+              <a:buFontTx/>
+              <a:buChar char="-"/>
+            </a:pPr>
+            <a:endParaRPr lang="en-US" baseline="0" dirty="0" smtClean="0"/>
+          </a:p>
+          <a:p>
+            <a:pPr marL="285750" indent="-285750">
+              <a:buFontTx/>
+              <a:buChar char="-"/>
+            </a:pPr>
+            <a:r>
+              <a:rPr lang="en-US" baseline="0" dirty="0" err="1" smtClean="0"/>
+              <a:t>Patienten</a:t>
+            </a:r>
+            <a:r>
+              <a:rPr lang="en-US" baseline="0" dirty="0" smtClean="0"/>
+              <a:t> </a:t>
+            </a:r>
+            <a:r>
+              <a:rPr lang="en-US" baseline="0" dirty="0" err="1" smtClean="0"/>
+              <a:t>nicht</a:t>
+            </a:r>
+            <a:r>
+              <a:rPr lang="en-US" baseline="0" dirty="0" smtClean="0"/>
+              <a:t> </a:t>
+            </a:r>
+            <a:r>
+              <a:rPr lang="en-US" baseline="0" dirty="0" err="1" smtClean="0"/>
+              <a:t>belästigen</a:t>
+            </a:r>
+            <a:endParaRPr lang="en-US" baseline="0" dirty="0" smtClean="0"/>
+          </a:p>
+          <a:p>
+            <a:pPr marL="285750" indent="-285750">
+              <a:buFontTx/>
+              <a:buChar char="-"/>
+            </a:pPr>
+            <a:r>
+              <a:rPr lang="en-US" baseline="0" dirty="0" err="1" smtClean="0"/>
+              <a:t>Doktoren</a:t>
+            </a:r>
+            <a:r>
+              <a:rPr lang="en-US" baseline="0" dirty="0" smtClean="0"/>
+              <a:t> </a:t>
+            </a:r>
+            <a:r>
+              <a:rPr lang="en-US" baseline="0" dirty="0" err="1" smtClean="0"/>
+              <a:t>kaum</a:t>
+            </a:r>
+            <a:r>
+              <a:rPr lang="en-US" baseline="0" dirty="0" smtClean="0"/>
+              <a:t> </a:t>
+            </a:r>
+            <a:r>
+              <a:rPr lang="en-US" baseline="0" dirty="0" err="1" smtClean="0"/>
+              <a:t>zeit</a:t>
+            </a:r>
+            <a:endParaRPr lang="en-US" baseline="0" dirty="0" smtClean="0"/>
+          </a:p>
+          <a:p>
+            <a:pPr marL="285750" indent="-285750">
+              <a:buFontTx/>
+              <a:buChar char="-"/>
+            </a:pPr>
+            <a:r>
+              <a:rPr lang="en-US" baseline="0" dirty="0" smtClean="0"/>
+              <a:t>Critical Success Factor: </a:t>
+            </a:r>
+            <a:r>
+              <a:rPr lang="en-US" baseline="0" dirty="0" err="1" smtClean="0"/>
+              <a:t>verschlüsselung</a:t>
+            </a:r>
+            <a:r>
+              <a:rPr lang="en-US" baseline="0" dirty="0" smtClean="0"/>
+              <a:t> / information </a:t>
+            </a:r>
+            <a:r>
+              <a:rPr lang="en-US" baseline="0" dirty="0" err="1" smtClean="0"/>
+              <a:t>bei</a:t>
+            </a:r>
+            <a:r>
+              <a:rPr lang="en-US" baseline="0" dirty="0" smtClean="0"/>
+              <a:t> </a:t>
+            </a:r>
+            <a:r>
+              <a:rPr lang="en-US" baseline="0" dirty="0" err="1" smtClean="0"/>
+              <a:t>gefährdeten</a:t>
+            </a:r>
+            <a:r>
+              <a:rPr lang="en-US" baseline="0" dirty="0" smtClean="0"/>
+              <a:t> </a:t>
+            </a:r>
+            <a:r>
+              <a:rPr lang="en-US" baseline="0" dirty="0" err="1" smtClean="0"/>
+              <a:t>patienten</a:t>
+            </a:r>
+            <a:endParaRPr lang="en-US" baseline="0" dirty="0" smtClean="0"/>
+          </a:p>
+          <a:p>
+            <a:pPr marL="285750" indent="-285750">
+              <a:buFontTx/>
+              <a:buChar char="-"/>
+            </a:pPr>
+            <a:endParaRPr lang="de-CH" dirty="0"/>
+          </a:p>
+        </p:txBody>
+      </p:sp>
+      <p:sp>
+        <p:nvSpPr>
+          <p:cNvPr id="4" name="Foliennummernplatzhalter 3"/>
+          <p:cNvSpPr>
+            <a:spLocks noGrp="1"/>
+          </p:cNvSpPr>
+          <p:nvPr>
+            <p:ph type="sldNum" sz="quarter" idx="10"/>
+          </p:nvPr>
+        </p:nvSpPr>
+        <p:spPr/>
+        <p:txBody>
+          <a:bodyPr/>
+          <a:lstStyle/>
+          <a:p>
+            <a:fld id="{9E11EC53-F507-411E-9ADC-FBCFECE09D3D}" type="slidenum">
+              <a:rPr lang="de-CH" smtClean="0"/>
+              <a:t>3</a:t>
+            </a:fld>
+            <a:endParaRPr lang="de-CH"/>
+          </a:p>
+        </p:txBody>
+      </p:sp>
+    </p:spTree>
+    <p:extLst>
+      <p:ext uri="{BB962C8B-B14F-4D97-AF65-F5344CB8AC3E}">
+        <p14:creationId xmlns:p14="http://schemas.microsoft.com/office/powerpoint/2010/main" val="262999494"/>
+      </p:ext>
+    </p:extLst>
+  </p:cSld>
+  <p:clrMapOvr>
+    <a:masterClrMapping/>
+  </p:clrMapOvr>
+</p:notes>
+</file>
+
+<file path=ppt/notesSlides/notesSlide2.xml><?xml version="1.0" encoding="utf-8"?>
+<p:notes xmlns:a="http://schemas.openxmlformats.org/drawingml/2006/main" xmlns:r="http://schemas.openxmlformats.org/officeDocument/2006/relationships" xmlns:p="http://schemas.openxmlformats.org/presentationml/2006/main">
+  <p:cSld>
+    <p:spTree>
+      <p:nvGrpSpPr>
+        <p:cNvPr id="1" name=""/>
+        <p:cNvGrpSpPr/>
+        <p:nvPr/>
+      </p:nvGrpSpPr>
+      <p:grpSpPr>
+        <a:xfrm>
+          <a:off x="0" y="0"/>
+          <a:ext cx="0" cy="0"/>
+          <a:chOff x="0" y="0"/>
+          <a:chExt cx="0" cy="0"/>
+        </a:xfrm>
+      </p:grpSpPr>
+      <p:sp>
+        <p:nvSpPr>
+          <p:cNvPr id="2" name="Folienbildplatzhalter 1"/>
+          <p:cNvSpPr>
+            <a:spLocks noGrp="1" noRot="1" noChangeAspect="1"/>
+          </p:cNvSpPr>
+          <p:nvPr>
+            <p:ph type="sldImg"/>
+          </p:nvPr>
+        </p:nvSpPr>
+        <p:spPr/>
+      </p:sp>
+      <p:sp>
+        <p:nvSpPr>
+          <p:cNvPr id="3" name="Notizenplatzhalter 2"/>
+          <p:cNvSpPr>
+            <a:spLocks noGrp="1"/>
+          </p:cNvSpPr>
+          <p:nvPr>
+            <p:ph type="body" idx="1"/>
+          </p:nvPr>
+        </p:nvSpPr>
+        <p:spPr/>
+        <p:txBody>
+          <a:bodyPr/>
+          <a:lstStyle/>
+          <a:p>
+            <a:r>
+              <a:rPr lang="en-US" dirty="0" err="1" smtClean="0"/>
+              <a:t>Wie</a:t>
+            </a:r>
+            <a:r>
+              <a:rPr lang="en-US" dirty="0" smtClean="0"/>
+              <a:t> Scrum</a:t>
+            </a:r>
+            <a:r>
+              <a:rPr lang="en-US" baseline="0" dirty="0" smtClean="0"/>
+              <a:t>, </a:t>
+            </a:r>
+            <a:r>
+              <a:rPr lang="en-US" baseline="0" dirty="0" err="1" smtClean="0"/>
+              <a:t>aber</a:t>
+            </a:r>
+            <a:r>
+              <a:rPr lang="en-US" baseline="0" dirty="0" smtClean="0"/>
+              <a:t> </a:t>
+            </a:r>
+            <a:r>
+              <a:rPr lang="en-US" baseline="0" dirty="0" err="1" smtClean="0"/>
+              <a:t>Iterationen</a:t>
+            </a:r>
+            <a:r>
+              <a:rPr lang="en-US" baseline="0" dirty="0" smtClean="0"/>
+              <a:t> </a:t>
+            </a:r>
+            <a:r>
+              <a:rPr lang="en-US" baseline="0" dirty="0" err="1" smtClean="0"/>
+              <a:t>länger</a:t>
+            </a:r>
+            <a:r>
+              <a:rPr lang="en-US" baseline="0" dirty="0" smtClean="0"/>
+              <a:t>. </a:t>
+            </a:r>
+            <a:endParaRPr lang="de-CH" dirty="0"/>
+          </a:p>
+        </p:txBody>
+      </p:sp>
+      <p:sp>
+        <p:nvSpPr>
+          <p:cNvPr id="4" name="Foliennummernplatzhalter 3"/>
+          <p:cNvSpPr>
+            <a:spLocks noGrp="1"/>
+          </p:cNvSpPr>
+          <p:nvPr>
+            <p:ph type="sldNum" sz="quarter" idx="10"/>
+          </p:nvPr>
+        </p:nvSpPr>
+        <p:spPr/>
+        <p:txBody>
+          <a:bodyPr/>
+          <a:lstStyle/>
+          <a:p>
+            <a:fld id="{9E11EC53-F507-411E-9ADC-FBCFECE09D3D}" type="slidenum">
+              <a:rPr lang="de-CH" smtClean="0"/>
+              <a:t>4</a:t>
+            </a:fld>
+            <a:endParaRPr lang="de-CH"/>
+          </a:p>
+        </p:txBody>
+      </p:sp>
+    </p:spTree>
+    <p:extLst>
+      <p:ext uri="{BB962C8B-B14F-4D97-AF65-F5344CB8AC3E}">
+        <p14:creationId xmlns:p14="http://schemas.microsoft.com/office/powerpoint/2010/main" val="2528221716"/>
+      </p:ext>
+    </p:extLst>
+  </p:cSld>
+  <p:clrMapOvr>
+    <a:masterClrMapping/>
+  </p:clrMapOvr>
+</p:notes>
+</file>
+
+<file path=ppt/notesSlides/notesSlide3.xml><?xml version="1.0" encoding="utf-8"?>
+<p:notes xmlns:a="http://schemas.openxmlformats.org/drawingml/2006/main" xmlns:r="http://schemas.openxmlformats.org/officeDocument/2006/relationships" xmlns:p="http://schemas.openxmlformats.org/presentationml/2006/main">
+  <p:cSld>
+    <p:spTree>
+      <p:nvGrpSpPr>
+        <p:cNvPr id="1" name=""/>
+        <p:cNvGrpSpPr/>
+        <p:nvPr/>
+      </p:nvGrpSpPr>
+      <p:grpSpPr>
+        <a:xfrm>
+          <a:off x="0" y="0"/>
+          <a:ext cx="0" cy="0"/>
+          <a:chOff x="0" y="0"/>
+          <a:chExt cx="0" cy="0"/>
+        </a:xfrm>
+      </p:grpSpPr>
+      <p:sp>
+        <p:nvSpPr>
+          <p:cNvPr id="2" name="Folienbildplatzhalter 1"/>
+          <p:cNvSpPr>
+            <a:spLocks noGrp="1" noRot="1" noChangeAspect="1"/>
+          </p:cNvSpPr>
+          <p:nvPr>
+            <p:ph type="sldImg"/>
+          </p:nvPr>
+        </p:nvSpPr>
+        <p:spPr/>
+      </p:sp>
+      <p:sp>
+        <p:nvSpPr>
+          <p:cNvPr id="3" name="Notizenplatzhalter 2"/>
+          <p:cNvSpPr>
+            <a:spLocks noGrp="1"/>
+          </p:cNvSpPr>
+          <p:nvPr>
+            <p:ph type="body" idx="1"/>
+          </p:nvPr>
+        </p:nvSpPr>
+        <p:spPr/>
+        <p:txBody>
+          <a:bodyPr/>
+          <a:lstStyle/>
+          <a:p>
+            <a:r>
+              <a:rPr lang="en-US" dirty="0" err="1" smtClean="0"/>
+              <a:t>Übersicht</a:t>
+            </a:r>
+            <a:r>
+              <a:rPr lang="en-US" dirty="0" smtClean="0"/>
+              <a:t> des</a:t>
+            </a:r>
+            <a:r>
+              <a:rPr lang="en-US" baseline="0" dirty="0" smtClean="0"/>
+              <a:t> </a:t>
+            </a:r>
+            <a:r>
+              <a:rPr lang="en-US" baseline="0" dirty="0" err="1" smtClean="0"/>
+              <a:t>Prozessmodels</a:t>
+            </a:r>
+            <a:r>
+              <a:rPr lang="en-US" baseline="0" dirty="0" smtClean="0"/>
+              <a:t> (</a:t>
+            </a:r>
+            <a:r>
+              <a:rPr lang="en-US" baseline="0" dirty="0" err="1" smtClean="0"/>
+              <a:t>Vorgehen</a:t>
+            </a:r>
+            <a:r>
+              <a:rPr lang="en-US" baseline="0" dirty="0" smtClean="0"/>
+              <a:t> </a:t>
+            </a:r>
+            <a:r>
+              <a:rPr lang="en-US" baseline="0" dirty="0" err="1" smtClean="0"/>
+              <a:t>Iterativ</a:t>
+            </a:r>
+            <a:r>
+              <a:rPr lang="en-US" baseline="0" dirty="0" smtClean="0"/>
+              <a:t>, </a:t>
+            </a:r>
+            <a:r>
+              <a:rPr lang="en-US" baseline="0" dirty="0" err="1" smtClean="0"/>
+              <a:t>aber</a:t>
+            </a:r>
+            <a:r>
+              <a:rPr lang="en-US" baseline="0" dirty="0" smtClean="0"/>
+              <a:t> </a:t>
+            </a:r>
+            <a:r>
+              <a:rPr lang="en-US" baseline="0" dirty="0" err="1" smtClean="0"/>
+              <a:t>Iterationen</a:t>
+            </a:r>
+            <a:r>
+              <a:rPr lang="en-US" baseline="0" dirty="0" smtClean="0"/>
+              <a:t> </a:t>
+            </a:r>
+            <a:r>
+              <a:rPr lang="en-US" baseline="0" dirty="0" err="1" smtClean="0"/>
+              <a:t>länger</a:t>
+            </a:r>
+            <a:r>
+              <a:rPr lang="en-US" baseline="0" dirty="0" smtClean="0"/>
+              <a:t>)</a:t>
+            </a:r>
+          </a:p>
+          <a:p>
+            <a:endParaRPr lang="en-US" baseline="0" dirty="0" smtClean="0"/>
+          </a:p>
+          <a:p>
+            <a:r>
+              <a:rPr lang="en-US" baseline="0" dirty="0" smtClean="0"/>
+              <a:t>1x pro </a:t>
+            </a:r>
+            <a:r>
+              <a:rPr lang="en-US" baseline="0" dirty="0" err="1" smtClean="0"/>
+              <a:t>Woche</a:t>
+            </a:r>
+            <a:r>
+              <a:rPr lang="en-US" baseline="0" dirty="0" smtClean="0"/>
+              <a:t> </a:t>
+            </a:r>
+            <a:r>
+              <a:rPr lang="en-US" baseline="0" dirty="0" err="1" smtClean="0"/>
+              <a:t>Teammeeting</a:t>
+            </a:r>
+            <a:endParaRPr lang="en-US" baseline="0" dirty="0" smtClean="0"/>
+          </a:p>
+          <a:p>
+            <a:endParaRPr lang="en-US" baseline="0" dirty="0" smtClean="0"/>
+          </a:p>
+          <a:p>
+            <a:endParaRPr lang="en-US" baseline="0" dirty="0" smtClean="0"/>
+          </a:p>
+        </p:txBody>
+      </p:sp>
+      <p:sp>
+        <p:nvSpPr>
+          <p:cNvPr id="4" name="Foliennummernplatzhalter 3"/>
+          <p:cNvSpPr>
+            <a:spLocks noGrp="1"/>
+          </p:cNvSpPr>
+          <p:nvPr>
+            <p:ph type="sldNum" sz="quarter" idx="10"/>
+          </p:nvPr>
+        </p:nvSpPr>
+        <p:spPr/>
+        <p:txBody>
+          <a:bodyPr/>
+          <a:lstStyle/>
+          <a:p>
+            <a:fld id="{9E11EC53-F507-411E-9ADC-FBCFECE09D3D}" type="slidenum">
+              <a:rPr lang="de-CH" smtClean="0"/>
+              <a:t>5</a:t>
+            </a:fld>
+            <a:endParaRPr lang="de-CH"/>
+          </a:p>
+        </p:txBody>
+      </p:sp>
+    </p:spTree>
+    <p:extLst>
+      <p:ext uri="{BB962C8B-B14F-4D97-AF65-F5344CB8AC3E}">
+        <p14:creationId xmlns:p14="http://schemas.microsoft.com/office/powerpoint/2010/main" val="929418976"/>
+      </p:ext>
+    </p:extLst>
+  </p:cSld>
+  <p:clrMapOvr>
+    <a:masterClrMapping/>
+  </p:clrMapOvr>
+</p:notes>
+</file>
+
+<file path=ppt/notesSlides/notesSlide4.xml><?xml version="1.0" encoding="utf-8"?>
+<p:notes xmlns:a="http://schemas.openxmlformats.org/drawingml/2006/main" xmlns:r="http://schemas.openxmlformats.org/officeDocument/2006/relationships" xmlns:p="http://schemas.openxmlformats.org/presentationml/2006/main">
+  <p:cSld>
+    <p:spTree>
+      <p:nvGrpSpPr>
+        <p:cNvPr id="1" name=""/>
+        <p:cNvGrpSpPr/>
+        <p:nvPr/>
+      </p:nvGrpSpPr>
+      <p:grpSpPr>
+        <a:xfrm>
+          <a:off x="0" y="0"/>
+          <a:ext cx="0" cy="0"/>
+          <a:chOff x="0" y="0"/>
+          <a:chExt cx="0" cy="0"/>
+        </a:xfrm>
+      </p:grpSpPr>
+      <p:sp>
+        <p:nvSpPr>
+          <p:cNvPr id="2" name="Folienbildplatzhalter 1"/>
+          <p:cNvSpPr>
+            <a:spLocks noGrp="1" noRot="1" noChangeAspect="1"/>
+          </p:cNvSpPr>
+          <p:nvPr>
+            <p:ph type="sldImg"/>
+          </p:nvPr>
+        </p:nvSpPr>
+        <p:spPr/>
+      </p:sp>
+      <p:sp>
+        <p:nvSpPr>
+          <p:cNvPr id="3" name="Notizenplatzhalter 2"/>
+          <p:cNvSpPr>
+            <a:spLocks noGrp="1"/>
+          </p:cNvSpPr>
+          <p:nvPr>
+            <p:ph type="body" idx="1"/>
+          </p:nvPr>
+        </p:nvSpPr>
+        <p:spPr/>
+        <p:txBody>
+          <a:bodyPr/>
+          <a:lstStyle/>
+          <a:p>
+            <a:r>
+              <a:rPr lang="en-US" dirty="0" err="1" smtClean="0"/>
+              <a:t>Änderung</a:t>
+            </a:r>
+            <a:r>
+              <a:rPr lang="en-US" baseline="0" dirty="0" smtClean="0"/>
+              <a:t> </a:t>
+            </a:r>
+            <a:r>
+              <a:rPr lang="en-US" baseline="0" dirty="0" err="1" smtClean="0"/>
+              <a:t>aus</a:t>
+            </a:r>
+            <a:r>
+              <a:rPr lang="en-US" baseline="0" dirty="0" smtClean="0"/>
+              <a:t> </a:t>
+            </a:r>
+            <a:r>
+              <a:rPr lang="en-US" baseline="0" dirty="0" err="1" smtClean="0"/>
+              <a:t>anderen</a:t>
+            </a:r>
+            <a:r>
+              <a:rPr lang="en-US" baseline="0" dirty="0" smtClean="0"/>
+              <a:t> </a:t>
+            </a:r>
+            <a:r>
+              <a:rPr lang="en-US" baseline="0" dirty="0" err="1" smtClean="0"/>
+              <a:t>Iterationen</a:t>
+            </a:r>
+            <a:r>
+              <a:rPr lang="en-US" baseline="0" dirty="0" smtClean="0"/>
+              <a:t> </a:t>
+            </a:r>
+            <a:r>
+              <a:rPr lang="en-US" baseline="0" dirty="0" err="1" smtClean="0"/>
+              <a:t>berücksichtigt</a:t>
+            </a:r>
+            <a:r>
+              <a:rPr lang="en-US" baseline="0" dirty="0" smtClean="0"/>
+              <a:t>.</a:t>
+            </a:r>
+          </a:p>
+          <a:p>
+            <a:endParaRPr lang="de-CH" dirty="0"/>
+          </a:p>
+        </p:txBody>
+      </p:sp>
+      <p:sp>
+        <p:nvSpPr>
+          <p:cNvPr id="4" name="Foliennummernplatzhalter 3"/>
+          <p:cNvSpPr>
+            <a:spLocks noGrp="1"/>
+          </p:cNvSpPr>
+          <p:nvPr>
+            <p:ph type="sldNum" sz="quarter" idx="10"/>
+          </p:nvPr>
+        </p:nvSpPr>
+        <p:spPr/>
+        <p:txBody>
+          <a:bodyPr/>
+          <a:lstStyle/>
+          <a:p>
+            <a:fld id="{9E11EC53-F507-411E-9ADC-FBCFECE09D3D}" type="slidenum">
+              <a:rPr lang="de-CH" smtClean="0"/>
+              <a:t>6</a:t>
+            </a:fld>
+            <a:endParaRPr lang="de-CH"/>
+          </a:p>
+        </p:txBody>
+      </p:sp>
+    </p:spTree>
+    <p:extLst>
+      <p:ext uri="{BB962C8B-B14F-4D97-AF65-F5344CB8AC3E}">
+        <p14:creationId xmlns:p14="http://schemas.microsoft.com/office/powerpoint/2010/main" val="3398317236"/>
+      </p:ext>
+    </p:extLst>
+  </p:cSld>
+  <p:clrMapOvr>
+    <a:masterClrMapping/>
+  </p:clrMapOvr>
+</p:notes>
+</file>
+
+<file path=ppt/notesSlides/notesSlide5.xml><?xml version="1.0" encoding="utf-8"?>
+<p:notes xmlns:a="http://schemas.openxmlformats.org/drawingml/2006/main" xmlns:r="http://schemas.openxmlformats.org/officeDocument/2006/relationships" xmlns:p="http://schemas.openxmlformats.org/presentationml/2006/main">
+  <p:cSld>
+    <p:spTree>
+      <p:nvGrpSpPr>
+        <p:cNvPr id="1" name=""/>
+        <p:cNvGrpSpPr/>
+        <p:nvPr/>
+      </p:nvGrpSpPr>
+      <p:grpSpPr>
+        <a:xfrm>
+          <a:off x="0" y="0"/>
+          <a:ext cx="0" cy="0"/>
+          <a:chOff x="0" y="0"/>
+          <a:chExt cx="0" cy="0"/>
+        </a:xfrm>
+      </p:grpSpPr>
+      <p:sp>
+        <p:nvSpPr>
+          <p:cNvPr id="2" name="Folienbildplatzhalter 1"/>
+          <p:cNvSpPr>
+            <a:spLocks noGrp="1" noRot="1" noChangeAspect="1"/>
+          </p:cNvSpPr>
+          <p:nvPr>
+            <p:ph type="sldImg"/>
+          </p:nvPr>
+        </p:nvSpPr>
+        <p:spPr/>
+      </p:sp>
+      <p:sp>
+        <p:nvSpPr>
+          <p:cNvPr id="3" name="Notizenplatzhalter 2"/>
+          <p:cNvSpPr>
+            <a:spLocks noGrp="1"/>
+          </p:cNvSpPr>
+          <p:nvPr>
+            <p:ph type="body" idx="1"/>
+          </p:nvPr>
+        </p:nvSpPr>
+        <p:spPr/>
+        <p:txBody>
+          <a:bodyPr/>
+          <a:lstStyle/>
+          <a:p>
+            <a:r>
+              <a:rPr lang="en-US" dirty="0" err="1" smtClean="0"/>
+              <a:t>Evt</a:t>
+            </a:r>
+            <a:r>
+              <a:rPr lang="en-US" dirty="0" smtClean="0"/>
+              <a:t>. </a:t>
+            </a:r>
+            <a:r>
+              <a:rPr lang="en-US" dirty="0" err="1" smtClean="0"/>
+              <a:t>Rücksprache</a:t>
+            </a:r>
+            <a:r>
+              <a:rPr lang="en-US" baseline="0" dirty="0" smtClean="0"/>
+              <a:t> </a:t>
+            </a:r>
+            <a:r>
+              <a:rPr lang="en-US" baseline="0" dirty="0" err="1" smtClean="0"/>
+              <a:t>mit</a:t>
+            </a:r>
+            <a:r>
+              <a:rPr lang="en-US" baseline="0" dirty="0" smtClean="0"/>
+              <a:t> </a:t>
+            </a:r>
+            <a:r>
+              <a:rPr lang="en-US" baseline="0" dirty="0" err="1" smtClean="0"/>
+              <a:t>dem</a:t>
+            </a:r>
+            <a:r>
+              <a:rPr lang="en-US" baseline="0" dirty="0" smtClean="0"/>
+              <a:t> </a:t>
+            </a:r>
+            <a:r>
+              <a:rPr lang="en-US" baseline="0" dirty="0" err="1" smtClean="0"/>
+              <a:t>kunden</a:t>
+            </a:r>
+            <a:endParaRPr lang="en-US" baseline="0" dirty="0" smtClean="0"/>
+          </a:p>
+          <a:p>
+            <a:r>
+              <a:rPr lang="en-US" baseline="0" dirty="0" err="1" smtClean="0"/>
+              <a:t>Lauffähiges</a:t>
+            </a:r>
+            <a:r>
+              <a:rPr lang="en-US" baseline="0" dirty="0" smtClean="0"/>
+              <a:t> </a:t>
+            </a:r>
+            <a:r>
+              <a:rPr lang="en-US" baseline="0" dirty="0" err="1" smtClean="0"/>
+              <a:t>Programm</a:t>
+            </a:r>
+            <a:r>
+              <a:rPr lang="en-US" baseline="0" dirty="0" smtClean="0"/>
+              <a:t> (</a:t>
+            </a:r>
+            <a:r>
+              <a:rPr lang="en-US" baseline="0" dirty="0" err="1" smtClean="0"/>
+              <a:t>sehr</a:t>
+            </a:r>
+            <a:r>
+              <a:rPr lang="en-US" baseline="0" dirty="0" smtClean="0"/>
+              <a:t> </a:t>
+            </a:r>
+            <a:r>
+              <a:rPr lang="en-US" baseline="0" dirty="0" err="1" smtClean="0"/>
+              <a:t>wichtig</a:t>
+            </a:r>
+            <a:r>
+              <a:rPr lang="en-US" baseline="0" dirty="0" smtClean="0"/>
+              <a:t>)</a:t>
+            </a:r>
+            <a:endParaRPr lang="de-CH" dirty="0"/>
+          </a:p>
+        </p:txBody>
+      </p:sp>
+      <p:sp>
+        <p:nvSpPr>
+          <p:cNvPr id="4" name="Foliennummernplatzhalter 3"/>
+          <p:cNvSpPr>
+            <a:spLocks noGrp="1"/>
+          </p:cNvSpPr>
+          <p:nvPr>
+            <p:ph type="sldNum" sz="quarter" idx="10"/>
+          </p:nvPr>
+        </p:nvSpPr>
+        <p:spPr/>
+        <p:txBody>
+          <a:bodyPr/>
+          <a:lstStyle/>
+          <a:p>
+            <a:fld id="{9E11EC53-F507-411E-9ADC-FBCFECE09D3D}" type="slidenum">
+              <a:rPr lang="de-CH" smtClean="0"/>
+              <a:t>7</a:t>
+            </a:fld>
+            <a:endParaRPr lang="de-CH"/>
+          </a:p>
+        </p:txBody>
+      </p:sp>
+    </p:spTree>
+    <p:extLst>
+      <p:ext uri="{BB962C8B-B14F-4D97-AF65-F5344CB8AC3E}">
+        <p14:creationId xmlns:p14="http://schemas.microsoft.com/office/powerpoint/2010/main" val="2449404485"/>
+      </p:ext>
+    </p:extLst>
+  </p:cSld>
+  <p:clrMapOvr>
+    <a:masterClrMapping/>
+  </p:clrMapOvr>
+</p:notes>
+</file>
+
+<file path=ppt/notesSlides/notesSlide6.xml><?xml version="1.0" encoding="utf-8"?>
+<p:notes xmlns:a="http://schemas.openxmlformats.org/drawingml/2006/main" xmlns:r="http://schemas.openxmlformats.org/officeDocument/2006/relationships" xmlns:p="http://schemas.openxmlformats.org/presentationml/2006/main">
+  <p:cSld>
+    <p:spTree>
+      <p:nvGrpSpPr>
+        <p:cNvPr id="1" name=""/>
+        <p:cNvGrpSpPr/>
+        <p:nvPr/>
+      </p:nvGrpSpPr>
+      <p:grpSpPr>
+        <a:xfrm>
+          <a:off x="0" y="0"/>
+          <a:ext cx="0" cy="0"/>
+          <a:chOff x="0" y="0"/>
+          <a:chExt cx="0" cy="0"/>
+        </a:xfrm>
+      </p:grpSpPr>
+      <p:sp>
+        <p:nvSpPr>
+          <p:cNvPr id="2" name="Folienbildplatzhalter 1"/>
+          <p:cNvSpPr>
+            <a:spLocks noGrp="1" noRot="1" noChangeAspect="1"/>
+          </p:cNvSpPr>
+          <p:nvPr>
+            <p:ph type="sldImg"/>
+          </p:nvPr>
+        </p:nvSpPr>
+        <p:spPr/>
+      </p:sp>
+      <p:sp>
+        <p:nvSpPr>
+          <p:cNvPr id="3" name="Notizenplatzhalter 2"/>
+          <p:cNvSpPr>
+            <a:spLocks noGrp="1"/>
+          </p:cNvSpPr>
+          <p:nvPr>
+            <p:ph type="body" idx="1"/>
+          </p:nvPr>
+        </p:nvSpPr>
+        <p:spPr/>
+        <p:txBody>
+          <a:bodyPr/>
+          <a:lstStyle/>
+          <a:p>
+            <a:r>
+              <a:rPr lang="en-US" dirty="0" err="1" smtClean="0"/>
+              <a:t>Wenn</a:t>
+            </a:r>
+            <a:r>
+              <a:rPr lang="en-US" dirty="0" smtClean="0"/>
+              <a:t> </a:t>
+            </a:r>
+            <a:r>
+              <a:rPr lang="en-US" dirty="0" err="1" smtClean="0"/>
+              <a:t>alle</a:t>
+            </a:r>
+            <a:r>
+              <a:rPr lang="en-US" dirty="0" smtClean="0"/>
+              <a:t> </a:t>
+            </a:r>
+            <a:r>
+              <a:rPr lang="en-US" dirty="0" err="1" smtClean="0"/>
+              <a:t>Reqiurements</a:t>
+            </a:r>
+            <a:r>
+              <a:rPr lang="en-US" dirty="0" smtClean="0"/>
+              <a:t> </a:t>
+            </a:r>
+            <a:r>
+              <a:rPr lang="en-US" dirty="0" err="1" smtClean="0"/>
+              <a:t>abgeschlossen</a:t>
+            </a:r>
+            <a:r>
+              <a:rPr lang="en-US" dirty="0" smtClean="0"/>
+              <a:t>:</a:t>
+            </a:r>
+            <a:r>
+              <a:rPr lang="en-US" baseline="0" dirty="0" smtClean="0"/>
+              <a:t> </a:t>
+            </a:r>
+            <a:r>
+              <a:rPr lang="en-US" baseline="0" dirty="0" err="1" smtClean="0"/>
+              <a:t>projekt</a:t>
+            </a:r>
+            <a:r>
+              <a:rPr lang="en-US" baseline="0" dirty="0" smtClean="0"/>
+              <a:t> </a:t>
+            </a:r>
+            <a:r>
+              <a:rPr lang="en-US" baseline="0" dirty="0" err="1" smtClean="0"/>
+              <a:t>abgeschlossen</a:t>
+            </a:r>
+            <a:endParaRPr lang="de-CH" dirty="0"/>
+          </a:p>
+        </p:txBody>
+      </p:sp>
+      <p:sp>
+        <p:nvSpPr>
+          <p:cNvPr id="4" name="Foliennummernplatzhalter 3"/>
+          <p:cNvSpPr>
+            <a:spLocks noGrp="1"/>
+          </p:cNvSpPr>
+          <p:nvPr>
+            <p:ph type="sldNum" sz="quarter" idx="10"/>
+          </p:nvPr>
+        </p:nvSpPr>
+        <p:spPr/>
+        <p:txBody>
+          <a:bodyPr/>
+          <a:lstStyle/>
+          <a:p>
+            <a:fld id="{9E11EC53-F507-411E-9ADC-FBCFECE09D3D}" type="slidenum">
+              <a:rPr lang="de-CH" smtClean="0"/>
+              <a:t>8</a:t>
+            </a:fld>
+            <a:endParaRPr lang="de-CH"/>
+          </a:p>
+        </p:txBody>
+      </p:sp>
+    </p:spTree>
+    <p:extLst>
+      <p:ext uri="{BB962C8B-B14F-4D97-AF65-F5344CB8AC3E}">
+        <p14:creationId xmlns:p14="http://schemas.microsoft.com/office/powerpoint/2010/main" val="1756894519"/>
+      </p:ext>
+    </p:extLst>
+  </p:cSld>
+  <p:clrMapOvr>
+    <a:masterClrMapping/>
+  </p:clrMapOvr>
+</p:notes>
+</file>
+
 <file path=ppt/slideLayouts/slideLayout1.xml><?xml version="1.0" encoding="utf-8"?>
 <p:sldLayout xmlns:a="http://schemas.openxmlformats.org/drawingml/2006/main" xmlns:r="http://schemas.openxmlformats.org/officeDocument/2006/relationships" xmlns:p="http://schemas.openxmlformats.org/presentationml/2006/main" type="title" preserve="1">
   <p:cSld name="Title Slide">
@@ -3795,16 +4829,12 @@
   <p:clrMapOvr>
     <a:masterClrMapping/>
   </p:clrMapOvr>
-  <mc:AlternateContent xmlns:mc="http://schemas.openxmlformats.org/markup-compatibility/2006" xmlns:p14="http://schemas.microsoft.com/office/powerpoint/2010/main">
-    <mc:Choice Requires="p14">
-      <p:transition spd="med" p14:dur="700">
-        <p:fade/>
-      </p:transition>
+  <mc:AlternateContent xmlns:mc="http://schemas.openxmlformats.org/markup-compatibility/2006">
+    <mc:Choice xmlns:p14="http://schemas.microsoft.com/office/powerpoint/2010/main" Requires="p14">
+      <p:transition p14:dur="0"/>
     </mc:Choice>
-    <mc:Fallback xmlns="">
-      <p:transition spd="med">
-        <p:fade/>
-      </p:transition>
+    <mc:Fallback>
+      <p:transition/>
     </mc:Fallback>
   </mc:AlternateContent>
   <p:timing>
@@ -5621,7 +6651,7 @@
   </p:txStyles>
   <p:extLst mod="1">
     <p:ext uri="{27BBF7A9-308A-43DC-89C8-2F10F3537804}">
-      <p15:sldGuideLst xmlns:p15="http://schemas.microsoft.com/office/powerpoint/2012/main" xmlns="">
+      <p15:sldGuideLst xmlns="" xmlns:p15="http://schemas.microsoft.com/office/powerpoint/2012/main">
         <p15:guide id="1" orient="horz" pos="2160">
           <p15:clr>
             <a:srgbClr val="F26B43"/>
@@ -5705,11 +6735,7 @@
           <a:p>
             <a:r>
               <a:rPr lang="en-US" dirty="0" smtClean="0"/>
-              <a:t>Task </a:t>
-            </a:r>
-            <a:r>
-              <a:rPr lang="en-US" dirty="0" smtClean="0"/>
-              <a:t>2</a:t>
+              <a:t>Task 2</a:t>
             </a:r>
             <a:endParaRPr lang="en-US" dirty="0"/>
           </a:p>
@@ -5719,109 +6745,6 @@
     <p:extLst>
       <p:ext uri="{BB962C8B-B14F-4D97-AF65-F5344CB8AC3E}">
         <p14:creationId xmlns:p14="http://schemas.microsoft.com/office/powerpoint/2010/main" val="1082871649"/>
-      </p:ext>
-    </p:extLst>
-  </p:cSld>
-  <p:clrMapOvr>
-    <a:masterClrMapping/>
-  </p:clrMapOvr>
-  <mc:AlternateContent xmlns:mc="http://schemas.openxmlformats.org/markup-compatibility/2006" xmlns:p14="http://schemas.microsoft.com/office/powerpoint/2010/main">
-    <mc:Choice Requires="p14">
-      <p:transition spd="med" p14:dur="700">
-        <p:fade/>
-      </p:transition>
-    </mc:Choice>
-    <mc:Fallback xmlns="">
-      <p:transition spd="med">
-        <p:fade/>
-      </p:transition>
-    </mc:Fallback>
-  </mc:AlternateContent>
-  <p:timing>
-    <p:tnLst>
-      <p:par>
-        <p:cTn id="1" dur="indefinite" restart="never" nodeType="tmRoot"/>
-      </p:par>
-    </p:tnLst>
-  </p:timing>
-</p:sld>
-</file>
-
-<file path=ppt/slides/slide10.xml><?xml version="1.0" encoding="utf-8"?>
-<p:sld xmlns:a="http://schemas.openxmlformats.org/drawingml/2006/main" xmlns:r="http://schemas.openxmlformats.org/officeDocument/2006/relationships" xmlns:p="http://schemas.openxmlformats.org/presentationml/2006/main">
-  <p:cSld>
-    <p:spTree>
-      <p:nvGrpSpPr>
-        <p:cNvPr id="1" name=""/>
-        <p:cNvGrpSpPr/>
-        <p:nvPr/>
-      </p:nvGrpSpPr>
-      <p:grpSpPr>
-        <a:xfrm>
-          <a:off x="0" y="0"/>
-          <a:ext cx="0" cy="0"/>
-          <a:chOff x="0" y="0"/>
-          <a:chExt cx="0" cy="0"/>
-        </a:xfrm>
-      </p:grpSpPr>
-      <p:sp>
-        <p:nvSpPr>
-          <p:cNvPr id="2" name="Title 1"/>
-          <p:cNvSpPr>
-            <a:spLocks noGrp="1"/>
-          </p:cNvSpPr>
-          <p:nvPr>
-            <p:ph type="title"/>
-          </p:nvPr>
-        </p:nvSpPr>
-        <p:spPr/>
-        <p:txBody>
-          <a:bodyPr>
-            <a:normAutofit/>
-          </a:bodyPr>
-          <a:lstStyle/>
-          <a:p>
-            <a:r>
-              <a:rPr lang="en-US" sz="3200" dirty="0" err="1" smtClean="0"/>
-              <a:t>FRagen</a:t>
-            </a:r>
-            <a:endParaRPr lang="en-US" sz="3200" dirty="0"/>
-          </a:p>
-        </p:txBody>
-      </p:sp>
-      <p:sp>
-        <p:nvSpPr>
-          <p:cNvPr id="3" name="Text Placeholder 2"/>
-          <p:cNvSpPr>
-            <a:spLocks noGrp="1"/>
-          </p:cNvSpPr>
-          <p:nvPr>
-            <p:ph type="body" idx="1"/>
-          </p:nvPr>
-        </p:nvSpPr>
-        <p:spPr>
-          <a:xfrm>
-            <a:off x="914161" y="1803400"/>
-            <a:ext cx="10360501" cy="4649936"/>
-          </a:xfrm>
-        </p:spPr>
-        <p:txBody>
-          <a:bodyPr/>
-          <a:lstStyle/>
-          <a:p>
-            <a:pPr algn="ctr"/>
-            <a:r>
-              <a:rPr lang="en-US" sz="20000" b="1" dirty="0" smtClean="0"/>
-              <a:t>?</a:t>
-            </a:r>
-            <a:endParaRPr lang="en-US" sz="20000" b="1" dirty="0"/>
-          </a:p>
-        </p:txBody>
-      </p:sp>
-    </p:spTree>
-    <p:extLst>
-      <p:ext uri="{BB962C8B-B14F-4D97-AF65-F5344CB8AC3E}">
-        <p14:creationId xmlns:p14="http://schemas.microsoft.com/office/powerpoint/2010/main" val="3370553250"/>
       </p:ext>
     </p:extLst>
   </p:cSld>
@@ -6039,16 +6962,12 @@
   <p:clrMapOvr>
     <a:masterClrMapping/>
   </p:clrMapOvr>
-  <mc:AlternateContent xmlns:mc="http://schemas.openxmlformats.org/markup-compatibility/2006" xmlns:p14="http://schemas.microsoft.com/office/powerpoint/2010/main">
-    <mc:Choice Requires="p14">
-      <p:transition spd="med" p14:dur="700">
-        <p:fade/>
-      </p:transition>
+  <mc:AlternateContent xmlns:mc="http://schemas.openxmlformats.org/markup-compatibility/2006">
+    <mc:Choice xmlns:p14="http://schemas.microsoft.com/office/powerpoint/2010/main" Requires="p14">
+      <p:transition p14:dur="0"/>
     </mc:Choice>
-    <mc:Fallback xmlns="">
-      <p:transition spd="med">
-        <p:fade/>
-      </p:transition>
+    <mc:Fallback>
+      <p:transition/>
     </mc:Fallback>
   </mc:AlternateContent>
   <p:timing>
@@ -6080,7 +6999,7 @@
       </p:grpSpPr>
       <p:sp>
         <p:nvSpPr>
-          <p:cNvPr id="2" name="Title 1"/>
+          <p:cNvPr id="2" name="Titel 1"/>
           <p:cNvSpPr>
             <a:spLocks noGrp="1"/>
           </p:cNvSpPr>
@@ -6089,82 +7008,289 @@
           </p:nvPr>
         </p:nvSpPr>
         <p:spPr/>
-        <p:txBody>
-          <a:bodyPr>
-            <a:normAutofit/>
-          </a:bodyPr>
-          <a:lstStyle/>
-          <a:p>
-            <a:r>
-              <a:rPr lang="en-US" sz="3200" dirty="0" smtClean="0"/>
-              <a:t>Pro </a:t>
-            </a:r>
-            <a:r>
-              <a:rPr lang="en-US" sz="3200" dirty="0" err="1" smtClean="0"/>
-              <a:t>Agil</a:t>
-            </a:r>
-            <a:endParaRPr lang="en-US" sz="3200" dirty="0"/>
-          </a:p>
-        </p:txBody>
-      </p:sp>
-      <p:sp>
-        <p:nvSpPr>
-          <p:cNvPr id="3" name="Text Placeholder 2"/>
-          <p:cNvSpPr>
-            <a:spLocks noGrp="1"/>
-          </p:cNvSpPr>
-          <p:nvPr>
-            <p:ph type="body" idx="1"/>
-          </p:nvPr>
-        </p:nvSpPr>
-        <p:spPr>
-          <a:xfrm>
-            <a:off x="914161" y="1803400"/>
-            <a:ext cx="10360501" cy="4649936"/>
-          </a:xfrm>
-        </p:spPr>
         <p:txBody>
           <a:bodyPr/>
           <a:lstStyle/>
           <a:p>
-            <a:pPr marL="457200" indent="-457200">
-              <a:buFont typeface="Arial" panose="020B0604020202020204" pitchFamily="34" charset="0"/>
-              <a:buChar char="•"/>
-            </a:pPr>
+            <a:endParaRPr lang="de-CH" dirty="0"/>
+          </a:p>
+        </p:txBody>
+      </p:sp>
+      <p:sp>
+        <p:nvSpPr>
+          <p:cNvPr id="3" name="Textplatzhalter 2"/>
+          <p:cNvSpPr>
+            <a:spLocks noGrp="1"/>
+          </p:cNvSpPr>
+          <p:nvPr>
+            <p:ph type="body" idx="1"/>
+          </p:nvPr>
+        </p:nvSpPr>
+        <p:spPr/>
+        <p:txBody>
+          <a:bodyPr/>
+          <a:lstStyle/>
+          <a:p>
+            <a:r>
+              <a:rPr lang="en-US" dirty="0" smtClean="0"/>
+              <a:t>Pro </a:t>
+            </a:r>
+            <a:r>
+              <a:rPr lang="en-US" dirty="0" err="1" smtClean="0"/>
+              <a:t>Agil</a:t>
+            </a:r>
+            <a:r>
+              <a:rPr lang="en-US" dirty="0" smtClean="0"/>
+              <a:t>	</a:t>
+            </a:r>
+            <a:endParaRPr lang="de-CH" dirty="0"/>
+          </a:p>
+        </p:txBody>
+      </p:sp>
+      <p:sp>
+        <p:nvSpPr>
+          <p:cNvPr id="4" name="Inhaltsplatzhalter 3"/>
+          <p:cNvSpPr>
+            <a:spLocks noGrp="1"/>
+          </p:cNvSpPr>
+          <p:nvPr>
+            <p:ph sz="half" idx="2"/>
+          </p:nvPr>
+        </p:nvSpPr>
+        <p:spPr/>
+        <p:txBody>
+          <a:bodyPr/>
+          <a:lstStyle/>
+          <a:p>
+            <a:r>
+              <a:rPr lang="en-US" dirty="0" smtClean="0"/>
+              <a:t>Team </a:t>
+            </a:r>
+            <a:r>
+              <a:rPr lang="en-US" dirty="0" err="1" smtClean="0"/>
+              <a:t>entwickelt</a:t>
+            </a:r>
+            <a:r>
+              <a:rPr lang="en-US" dirty="0" smtClean="0"/>
+              <a:t> </a:t>
+            </a:r>
+            <a:r>
+              <a:rPr lang="en-US" dirty="0" err="1" smtClean="0"/>
+              <a:t>lieber</a:t>
+            </a:r>
+            <a:r>
+              <a:rPr lang="en-US" dirty="0" smtClean="0"/>
+              <a:t> </a:t>
+            </a:r>
+            <a:r>
+              <a:rPr lang="en-US" dirty="0" err="1" smtClean="0"/>
+              <a:t>agil</a:t>
+            </a:r>
+            <a:endParaRPr lang="en-US" dirty="0"/>
+          </a:p>
+          <a:p>
+            <a:r>
+              <a:rPr lang="en-US" dirty="0" err="1" smtClean="0"/>
+              <a:t>Gesundheitsaspekt</a:t>
+            </a:r>
+            <a:r>
+              <a:rPr lang="en-US" dirty="0" smtClean="0"/>
+              <a:t> </a:t>
+            </a:r>
+            <a:r>
+              <a:rPr lang="en-US" dirty="0" err="1" smtClean="0"/>
+              <a:t>im</a:t>
+            </a:r>
+            <a:r>
+              <a:rPr lang="en-US" dirty="0" smtClean="0"/>
+              <a:t> </a:t>
+            </a:r>
+            <a:r>
+              <a:rPr lang="en-US" dirty="0" err="1" smtClean="0"/>
+              <a:t>Wandel</a:t>
+            </a:r>
             <a:endParaRPr lang="en-US" dirty="0" smtClean="0"/>
           </a:p>
           <a:p>
-            <a:pPr marL="457200" indent="-457200">
-              <a:buFont typeface="Arial" panose="020B0604020202020204" pitchFamily="34" charset="0"/>
-              <a:buChar char="•"/>
-            </a:pPr>
+            <a:r>
+              <a:rPr lang="en-US" dirty="0" smtClean="0"/>
+              <a:t>System </a:t>
+            </a:r>
+            <a:r>
+              <a:rPr lang="en-US" dirty="0" err="1" smtClean="0"/>
+              <a:t>laufend</a:t>
+            </a:r>
+            <a:r>
+              <a:rPr lang="en-US" dirty="0" smtClean="0"/>
+              <a:t> </a:t>
+            </a:r>
+            <a:r>
+              <a:rPr lang="en-US" dirty="0" err="1" smtClean="0"/>
+              <a:t>Weiterentwickelt</a:t>
+            </a:r>
             <a:endParaRPr lang="en-US" dirty="0" smtClean="0"/>
           </a:p>
           <a:p>
+            <a:r>
+              <a:rPr lang="en-US" dirty="0" err="1" smtClean="0"/>
+              <a:t>Anfornderung</a:t>
+            </a:r>
+            <a:r>
+              <a:rPr lang="en-US" dirty="0" smtClean="0"/>
+              <a:t> </a:t>
+            </a:r>
+            <a:r>
+              <a:rPr lang="en-US" dirty="0" err="1" smtClean="0"/>
+              <a:t>können</a:t>
+            </a:r>
+            <a:r>
+              <a:rPr lang="en-US" dirty="0" smtClean="0"/>
+              <a:t> </a:t>
+            </a:r>
+            <a:r>
+              <a:rPr lang="en-US" dirty="0" err="1" smtClean="0"/>
+              <a:t>sich</a:t>
+            </a:r>
+            <a:r>
+              <a:rPr lang="en-US" dirty="0" smtClean="0"/>
+              <a:t> </a:t>
+            </a:r>
+            <a:r>
+              <a:rPr lang="en-US" dirty="0" err="1" smtClean="0"/>
+              <a:t>ändern</a:t>
+            </a:r>
+            <a:endParaRPr lang="en-US" dirty="0" smtClean="0"/>
+          </a:p>
+          <a:p>
+            <a:endParaRPr lang="en-US" dirty="0" smtClean="0"/>
+          </a:p>
+          <a:p>
+            <a:endParaRPr lang="de-CH" dirty="0"/>
+          </a:p>
+        </p:txBody>
+      </p:sp>
+      <p:sp>
+        <p:nvSpPr>
+          <p:cNvPr id="5" name="Textplatzhalter 4"/>
+          <p:cNvSpPr>
+            <a:spLocks noGrp="1"/>
+          </p:cNvSpPr>
+          <p:nvPr>
+            <p:ph type="body" sz="quarter" idx="3"/>
+          </p:nvPr>
+        </p:nvSpPr>
+        <p:spPr/>
+        <p:txBody>
+          <a:bodyPr/>
+          <a:lstStyle/>
+          <a:p>
+            <a:r>
+              <a:rPr lang="en-US" dirty="0" smtClean="0"/>
+              <a:t>Pro Plan Driven</a:t>
+            </a:r>
+            <a:endParaRPr lang="de-CH" dirty="0"/>
+          </a:p>
+        </p:txBody>
+      </p:sp>
+      <p:sp>
+        <p:nvSpPr>
+          <p:cNvPr id="6" name="Inhaltsplatzhalter 5"/>
+          <p:cNvSpPr>
+            <a:spLocks noGrp="1"/>
+          </p:cNvSpPr>
+          <p:nvPr>
+            <p:ph sz="quarter" idx="4"/>
+          </p:nvPr>
+        </p:nvSpPr>
+        <p:spPr/>
+        <p:txBody>
+          <a:bodyPr/>
+          <a:lstStyle/>
+          <a:p>
+            <a:pPr marL="457200" indent="-457200"/>
+            <a:r>
+              <a:rPr lang="en-US" dirty="0" err="1"/>
+              <a:t>Patienten</a:t>
+            </a:r>
+            <a:r>
+              <a:rPr lang="en-US" dirty="0"/>
+              <a:t> / </a:t>
+            </a:r>
+            <a:r>
+              <a:rPr lang="en-US" dirty="0" err="1"/>
+              <a:t>Doktoren</a:t>
+            </a:r>
+            <a:r>
+              <a:rPr lang="en-US" dirty="0"/>
+              <a:t> </a:t>
+            </a:r>
+            <a:r>
+              <a:rPr lang="en-US" dirty="0" err="1"/>
+              <a:t>bedingt</a:t>
+            </a:r>
+            <a:r>
+              <a:rPr lang="en-US" dirty="0"/>
+              <a:t> </a:t>
+            </a:r>
+            <a:r>
+              <a:rPr lang="en-US" dirty="0" err="1"/>
+              <a:t>verfügbar</a:t>
+            </a:r>
             <a:endParaRPr lang="en-US" dirty="0"/>
+          </a:p>
+          <a:p>
+            <a:r>
+              <a:rPr lang="en-US" dirty="0" smtClean="0"/>
+              <a:t>Legislation </a:t>
+            </a:r>
+            <a:r>
+              <a:rPr lang="en-US" dirty="0" err="1" smtClean="0"/>
+              <a:t>Reqirements</a:t>
+            </a:r>
+            <a:r>
+              <a:rPr lang="en-US" dirty="0" smtClean="0"/>
+              <a:t> </a:t>
+            </a:r>
+            <a:r>
+              <a:rPr lang="en-US" dirty="0" err="1" smtClean="0"/>
+              <a:t>erfordern</a:t>
+            </a:r>
+            <a:r>
+              <a:rPr lang="en-US" dirty="0" smtClean="0"/>
+              <a:t> </a:t>
+            </a:r>
+            <a:r>
+              <a:rPr lang="en-US" dirty="0" err="1" smtClean="0"/>
+              <a:t>genaue</a:t>
+            </a:r>
+            <a:r>
+              <a:rPr lang="en-US" dirty="0" smtClean="0"/>
+              <a:t> </a:t>
+            </a:r>
+            <a:r>
+              <a:rPr lang="en-US" dirty="0" err="1" smtClean="0"/>
+              <a:t>Planung</a:t>
+            </a:r>
+            <a:endParaRPr lang="de-CH" dirty="0"/>
           </a:p>
         </p:txBody>
       </p:sp>
     </p:spTree>
     <p:extLst>
       <p:ext uri="{BB962C8B-B14F-4D97-AF65-F5344CB8AC3E}">
-        <p14:creationId xmlns:p14="http://schemas.microsoft.com/office/powerpoint/2010/main" val="3126716930"/>
+        <p14:creationId xmlns:p14="http://schemas.microsoft.com/office/powerpoint/2010/main" val="2217037232"/>
       </p:ext>
     </p:extLst>
   </p:cSld>
   <p:clrMapOvr>
     <a:masterClrMapping/>
   </p:clrMapOvr>
-  <mc:AlternateContent xmlns:mc="http://schemas.openxmlformats.org/markup-compatibility/2006" xmlns:p14="http://schemas.microsoft.com/office/powerpoint/2010/main">
-    <mc:Choice Requires="p14">
-      <p:transition spd="med" p14:dur="700">
-        <p:fade/>
-      </p:transition>
+  <mc:AlternateContent xmlns:mc="http://schemas.openxmlformats.org/markup-compatibility/2006">
+    <mc:Choice xmlns:p14="http://schemas.microsoft.com/office/powerpoint/2010/main" Requires="p14">
+      <p:transition p14:dur="10"/>
     </mc:Choice>
-    <mc:Fallback xmlns="">
-      <p:transition spd="med">
-        <p:fade/>
-      </p:transition>
+    <mc:Fallback>
+      <p:transition/>
     </mc:Fallback>
   </mc:AlternateContent>
   <p:timing>
@@ -6196,7 +7322,7 @@
       </p:grpSpPr>
       <p:sp>
         <p:nvSpPr>
-          <p:cNvPr id="2" name="Titel 1"/>
+          <p:cNvPr id="2" name="Title 1"/>
           <p:cNvSpPr>
             <a:spLocks noGrp="1"/>
           </p:cNvSpPr>
@@ -6205,289 +7331,116 @@
           </p:nvPr>
         </p:nvSpPr>
         <p:spPr/>
+        <p:txBody>
+          <a:bodyPr>
+            <a:normAutofit/>
+          </a:bodyPr>
+          <a:lstStyle/>
+          <a:p>
+            <a:r>
+              <a:rPr lang="en-US" sz="3200" dirty="0" err="1" smtClean="0"/>
+              <a:t>FaziT</a:t>
+            </a:r>
+            <a:endParaRPr lang="en-US" sz="3200" dirty="0"/>
+          </a:p>
+        </p:txBody>
+      </p:sp>
+      <p:sp>
+        <p:nvSpPr>
+          <p:cNvPr id="3" name="Text Placeholder 2"/>
+          <p:cNvSpPr>
+            <a:spLocks noGrp="1"/>
+          </p:cNvSpPr>
+          <p:nvPr>
+            <p:ph type="body" idx="1"/>
+          </p:nvPr>
+        </p:nvSpPr>
+        <p:spPr>
+          <a:xfrm>
+            <a:off x="914161" y="1803400"/>
+            <a:ext cx="10360501" cy="4649936"/>
+          </a:xfrm>
+        </p:spPr>
         <p:txBody>
           <a:bodyPr/>
           <a:lstStyle/>
           <a:p>
-            <a:endParaRPr lang="de-CH"/>
-          </a:p>
-        </p:txBody>
-      </p:sp>
-      <p:sp>
-        <p:nvSpPr>
-          <p:cNvPr id="3" name="Textplatzhalter 2"/>
-          <p:cNvSpPr>
-            <a:spLocks noGrp="1"/>
-          </p:cNvSpPr>
-          <p:nvPr>
-            <p:ph type="body" idx="1"/>
-          </p:nvPr>
-        </p:nvSpPr>
-        <p:spPr/>
-        <p:txBody>
-          <a:bodyPr/>
-          <a:lstStyle/>
-          <a:p>
-            <a:r>
-              <a:rPr lang="en-US" dirty="0" smtClean="0"/>
-              <a:t>Pro </a:t>
-            </a:r>
-            <a:r>
-              <a:rPr lang="en-US" dirty="0" err="1" smtClean="0"/>
-              <a:t>Agil</a:t>
-            </a:r>
-            <a:r>
-              <a:rPr lang="en-US" dirty="0" smtClean="0"/>
-              <a:t>	</a:t>
-            </a:r>
-            <a:endParaRPr lang="de-CH" dirty="0"/>
-          </a:p>
-        </p:txBody>
-      </p:sp>
-      <p:sp>
-        <p:nvSpPr>
-          <p:cNvPr id="4" name="Inhaltsplatzhalter 3"/>
-          <p:cNvSpPr>
-            <a:spLocks noGrp="1"/>
-          </p:cNvSpPr>
-          <p:nvPr>
-            <p:ph sz="half" idx="2"/>
-          </p:nvPr>
-        </p:nvSpPr>
-        <p:spPr/>
-        <p:txBody>
-          <a:bodyPr/>
-          <a:lstStyle/>
-          <a:p>
-            <a:r>
-              <a:rPr lang="en-US" dirty="0" err="1" smtClean="0"/>
-              <a:t>Entwickeln</a:t>
-            </a:r>
-            <a:r>
-              <a:rPr lang="en-US" dirty="0" smtClean="0"/>
+            <a:pPr algn="ctr"/>
+            <a:r>
+              <a:rPr lang="en-US" sz="4500" dirty="0" err="1" smtClean="0"/>
+              <a:t>Iteratives</a:t>
+            </a:r>
+            <a:r>
+              <a:rPr lang="en-US" sz="4500" dirty="0" smtClean="0"/>
               <a:t> </a:t>
             </a:r>
             <a:r>
-              <a:rPr lang="en-US" dirty="0" err="1" smtClean="0"/>
-              <a:t>lieber</a:t>
-            </a:r>
-            <a:r>
-              <a:rPr lang="en-US" dirty="0" smtClean="0"/>
+              <a:rPr lang="en-US" sz="4500" dirty="0" err="1" smtClean="0"/>
+              <a:t>Vorgehen</a:t>
+            </a:r>
+            <a:r>
+              <a:rPr lang="en-US" sz="4500" dirty="0" smtClean="0"/>
               <a:t> </a:t>
             </a:r>
             <a:r>
-              <a:rPr lang="en-US" dirty="0" err="1" smtClean="0"/>
-              <a:t>agil</a:t>
-            </a:r>
+              <a:rPr lang="en-US" sz="4500" dirty="0" err="1" smtClean="0"/>
+              <a:t>mit</a:t>
+            </a:r>
+            <a:r>
+              <a:rPr lang="en-US" sz="4500" dirty="0" smtClean="0"/>
+              <a:t> </a:t>
+            </a:r>
+            <a:r>
+              <a:rPr lang="en-US" sz="4500" dirty="0" err="1" smtClean="0"/>
+              <a:t>längeren</a:t>
+            </a:r>
+            <a:r>
+              <a:rPr lang="en-US" sz="4500" dirty="0" smtClean="0"/>
+              <a:t> </a:t>
+            </a:r>
+            <a:r>
+              <a:rPr lang="en-US" sz="4500" dirty="0" err="1" smtClean="0"/>
+              <a:t>Iterationen</a:t>
+            </a:r>
+            <a:r>
+              <a:rPr lang="en-US" sz="4500" dirty="0" smtClean="0"/>
+              <a:t> (6 </a:t>
+            </a:r>
+            <a:r>
+              <a:rPr lang="en-US" sz="4500" dirty="0" err="1" smtClean="0"/>
+              <a:t>Wochen</a:t>
+            </a:r>
+            <a:r>
+              <a:rPr lang="en-US" sz="4500" dirty="0" smtClean="0"/>
+              <a:t>)</a:t>
+            </a:r>
+            <a:endParaRPr lang="en-US" sz="4500" dirty="0" smtClean="0"/>
+          </a:p>
+          <a:p>
+            <a:pPr algn="ctr"/>
+            <a:endParaRPr lang="en-US" sz="4500" dirty="0" smtClean="0"/>
+          </a:p>
+          <a:p>
             <a:endParaRPr lang="en-US" dirty="0"/>
-          </a:p>
-          <a:p>
-            <a:r>
-              <a:rPr lang="en-US" dirty="0" err="1" smtClean="0"/>
-              <a:t>Gesundheitsaspekt</a:t>
-            </a:r>
-            <a:r>
-              <a:rPr lang="en-US" dirty="0" smtClean="0"/>
-              <a:t> </a:t>
-            </a:r>
-            <a:r>
-              <a:rPr lang="en-US" dirty="0" err="1" smtClean="0"/>
-              <a:t>im</a:t>
-            </a:r>
-            <a:r>
-              <a:rPr lang="en-US" dirty="0" smtClean="0"/>
-              <a:t> </a:t>
-            </a:r>
-            <a:r>
-              <a:rPr lang="en-US" dirty="0" err="1" smtClean="0"/>
-              <a:t>Wandel</a:t>
-            </a:r>
-            <a:endParaRPr lang="en-US" dirty="0" smtClean="0"/>
-          </a:p>
-          <a:p>
-            <a:r>
-              <a:rPr lang="en-US" dirty="0" smtClean="0"/>
-              <a:t>System </a:t>
-            </a:r>
-            <a:r>
-              <a:rPr lang="en-US" dirty="0" err="1" smtClean="0"/>
-              <a:t>laufend</a:t>
-            </a:r>
-            <a:r>
-              <a:rPr lang="en-US" dirty="0" smtClean="0"/>
-              <a:t> </a:t>
-            </a:r>
-            <a:r>
-              <a:rPr lang="en-US" dirty="0" err="1" smtClean="0"/>
-              <a:t>Weiterentwickelt</a:t>
-            </a:r>
-            <a:endParaRPr lang="en-US" dirty="0" smtClean="0"/>
-          </a:p>
-          <a:p>
-            <a:r>
-              <a:rPr lang="en-US" dirty="0" err="1" smtClean="0"/>
-              <a:t>Anfornderung</a:t>
-            </a:r>
-            <a:r>
-              <a:rPr lang="en-US" dirty="0" smtClean="0"/>
-              <a:t> </a:t>
-            </a:r>
-            <a:r>
-              <a:rPr lang="en-US" dirty="0" err="1" smtClean="0"/>
-              <a:t>können</a:t>
-            </a:r>
-            <a:r>
-              <a:rPr lang="en-US" dirty="0" smtClean="0"/>
-              <a:t> </a:t>
-            </a:r>
-            <a:r>
-              <a:rPr lang="en-US" dirty="0" err="1" smtClean="0"/>
-              <a:t>sich</a:t>
-            </a:r>
-            <a:r>
-              <a:rPr lang="en-US" dirty="0" smtClean="0"/>
-              <a:t> </a:t>
-            </a:r>
-            <a:r>
-              <a:rPr lang="en-US" dirty="0" err="1" smtClean="0"/>
-              <a:t>ändern</a:t>
-            </a:r>
-            <a:endParaRPr lang="en-US" dirty="0" smtClean="0"/>
-          </a:p>
-          <a:p>
-            <a:endParaRPr lang="en-US" dirty="0" smtClean="0"/>
-          </a:p>
-          <a:p>
-            <a:endParaRPr lang="de-CH" dirty="0"/>
-          </a:p>
-        </p:txBody>
-      </p:sp>
-      <p:sp>
-        <p:nvSpPr>
-          <p:cNvPr id="5" name="Textplatzhalter 4"/>
-          <p:cNvSpPr>
-            <a:spLocks noGrp="1"/>
-          </p:cNvSpPr>
-          <p:nvPr>
-            <p:ph type="body" sz="quarter" idx="3"/>
-          </p:nvPr>
-        </p:nvSpPr>
-        <p:spPr/>
-        <p:txBody>
-          <a:bodyPr/>
-          <a:lstStyle/>
-          <a:p>
-            <a:r>
-              <a:rPr lang="en-US" dirty="0" smtClean="0"/>
-              <a:t>Pro Plan Driven</a:t>
-            </a:r>
-            <a:endParaRPr lang="de-CH" dirty="0"/>
-          </a:p>
-        </p:txBody>
-      </p:sp>
-      <p:sp>
-        <p:nvSpPr>
-          <p:cNvPr id="6" name="Inhaltsplatzhalter 5"/>
-          <p:cNvSpPr>
-            <a:spLocks noGrp="1"/>
-          </p:cNvSpPr>
-          <p:nvPr>
-            <p:ph sz="quarter" idx="4"/>
-          </p:nvPr>
-        </p:nvSpPr>
-        <p:spPr/>
-        <p:txBody>
-          <a:bodyPr/>
-          <a:lstStyle/>
-          <a:p>
-            <a:pPr marL="457200" indent="-457200"/>
-            <a:r>
-              <a:rPr lang="en-US" dirty="0" err="1"/>
-              <a:t>Patienten</a:t>
-            </a:r>
-            <a:r>
-              <a:rPr lang="en-US" dirty="0"/>
-              <a:t> / </a:t>
-            </a:r>
-            <a:r>
-              <a:rPr lang="en-US" dirty="0" err="1"/>
-              <a:t>Doktoren</a:t>
-            </a:r>
-            <a:r>
-              <a:rPr lang="en-US" dirty="0"/>
-              <a:t> </a:t>
-            </a:r>
-            <a:r>
-              <a:rPr lang="en-US" dirty="0" err="1"/>
-              <a:t>bedingt</a:t>
-            </a:r>
-            <a:r>
-              <a:rPr lang="en-US" dirty="0"/>
-              <a:t> </a:t>
-            </a:r>
-            <a:r>
-              <a:rPr lang="en-US" dirty="0" err="1"/>
-              <a:t>verfügbar</a:t>
-            </a:r>
-            <a:endParaRPr lang="en-US" dirty="0"/>
-          </a:p>
-          <a:p>
-            <a:r>
-              <a:rPr lang="en-US" dirty="0" smtClean="0"/>
-              <a:t>Legislation </a:t>
-            </a:r>
-            <a:r>
-              <a:rPr lang="en-US" dirty="0" err="1" smtClean="0"/>
-              <a:t>Reqirements</a:t>
-            </a:r>
-            <a:r>
-              <a:rPr lang="en-US" dirty="0" smtClean="0"/>
-              <a:t> </a:t>
-            </a:r>
-            <a:r>
-              <a:rPr lang="en-US" dirty="0" err="1" smtClean="0"/>
-              <a:t>erfordern</a:t>
-            </a:r>
-            <a:r>
-              <a:rPr lang="en-US" dirty="0" smtClean="0"/>
-              <a:t> </a:t>
-            </a:r>
-            <a:r>
-              <a:rPr lang="en-US" dirty="0" err="1" smtClean="0"/>
-              <a:t>genaue</a:t>
-            </a:r>
-            <a:r>
-              <a:rPr lang="en-US" dirty="0" smtClean="0"/>
-              <a:t> </a:t>
-            </a:r>
-            <a:r>
-              <a:rPr lang="en-US" dirty="0" err="1" smtClean="0"/>
-              <a:t>Planung</a:t>
-            </a:r>
-            <a:endParaRPr lang="de-CH" dirty="0"/>
           </a:p>
         </p:txBody>
       </p:sp>
     </p:spTree>
     <p:extLst>
       <p:ext uri="{BB962C8B-B14F-4D97-AF65-F5344CB8AC3E}">
-        <p14:creationId xmlns:p14="http://schemas.microsoft.com/office/powerpoint/2010/main" val="2217037232"/>
+        <p14:creationId xmlns:p14="http://schemas.microsoft.com/office/powerpoint/2010/main" val="3485366034"/>
       </p:ext>
     </p:extLst>
   </p:cSld>
   <p:clrMapOvr>
     <a:masterClrMapping/>
   </p:clrMapOvr>
-  <mc:AlternateContent xmlns:mc="http://schemas.openxmlformats.org/markup-compatibility/2006" xmlns:p14="http://schemas.microsoft.com/office/powerpoint/2010/main">
-    <mc:Choice Requires="p14">
-      <p:transition spd="med" p14:dur="700">
-        <p:fade/>
-      </p:transition>
+  <mc:AlternateContent xmlns:mc="http://schemas.openxmlformats.org/markup-compatibility/2006">
+    <mc:Choice xmlns:p14="http://schemas.microsoft.com/office/powerpoint/2010/main" Requires="p14">
+      <p:transition p14:dur="0"/>
     </mc:Choice>
-    <mc:Fallback xmlns="">
-      <p:transition spd="med">
-        <p:fade/>
-      </p:transition>
+    <mc:Fallback>
+      <p:transition/>
     </mc:Fallback>
   </mc:AlternateContent>
   <p:timing>
@@ -6519,7 +7472,7 @@
       </p:grpSpPr>
       <p:sp>
         <p:nvSpPr>
-          <p:cNvPr id="2" name="Title 1"/>
+          <p:cNvPr id="2" name="Titel 1"/>
           <p:cNvSpPr>
             <a:spLocks noGrp="1"/>
           </p:cNvSpPr>
@@ -6528,108 +7481,147 @@
           </p:nvPr>
         </p:nvSpPr>
         <p:spPr/>
-        <p:txBody>
-          <a:bodyPr>
-            <a:normAutofit/>
-          </a:bodyPr>
-          <a:lstStyle/>
-          <a:p>
-            <a:r>
-              <a:rPr lang="en-US" sz="3200" dirty="0" err="1" smtClean="0"/>
-              <a:t>FaziT</a:t>
-            </a:r>
-            <a:endParaRPr lang="en-US" sz="3200" dirty="0"/>
-          </a:p>
-        </p:txBody>
-      </p:sp>
-      <p:sp>
-        <p:nvSpPr>
-          <p:cNvPr id="3" name="Text Placeholder 2"/>
-          <p:cNvSpPr>
-            <a:spLocks noGrp="1"/>
-          </p:cNvSpPr>
-          <p:nvPr>
-            <p:ph type="body" idx="1"/>
-          </p:nvPr>
-        </p:nvSpPr>
-        <p:spPr>
-          <a:xfrm>
-            <a:off x="914161" y="1803400"/>
-            <a:ext cx="10360501" cy="4649936"/>
-          </a:xfrm>
-        </p:spPr>
         <p:txBody>
           <a:bodyPr/>
           <a:lstStyle/>
           <a:p>
-            <a:pPr algn="ctr"/>
-            <a:r>
-              <a:rPr lang="en-US" sz="4500" dirty="0" err="1" smtClean="0"/>
-              <a:t>Iteratives</a:t>
-            </a:r>
-            <a:r>
-              <a:rPr lang="en-US" sz="4500" dirty="0" smtClean="0"/>
-              <a:t> </a:t>
-            </a:r>
-            <a:r>
-              <a:rPr lang="en-US" sz="4500" dirty="0" err="1" smtClean="0"/>
-              <a:t>Vorgehen</a:t>
-            </a:r>
-            <a:r>
-              <a:rPr lang="en-US" sz="4500" dirty="0" smtClean="0"/>
-              <a:t> </a:t>
-            </a:r>
-            <a:r>
-              <a:rPr lang="en-US" sz="4500" dirty="0" err="1" smtClean="0"/>
-              <a:t>mit</a:t>
-            </a:r>
-            <a:r>
-              <a:rPr lang="en-US" sz="4500" dirty="0" smtClean="0"/>
-              <a:t> </a:t>
-            </a:r>
-            <a:r>
-              <a:rPr lang="en-US" sz="4500" dirty="0" err="1" smtClean="0"/>
-              <a:t>längeren</a:t>
-            </a:r>
-            <a:r>
-              <a:rPr lang="en-US" sz="4500" dirty="0" smtClean="0"/>
-              <a:t> </a:t>
-            </a:r>
-            <a:r>
-              <a:rPr lang="en-US" sz="4500" dirty="0" err="1" smtClean="0"/>
-              <a:t>Iterationen</a:t>
-            </a:r>
-            <a:endParaRPr lang="en-US" sz="4500" dirty="0" smtClean="0"/>
-          </a:p>
-          <a:p>
-            <a:pPr algn="ctr"/>
-            <a:endParaRPr lang="en-US" sz="4500" dirty="0" smtClean="0"/>
-          </a:p>
-          <a:p>
-            <a:endParaRPr lang="en-US" dirty="0"/>
-          </a:p>
-        </p:txBody>
-      </p:sp>
+            <a:endParaRPr lang="de-CH"/>
+          </a:p>
+        </p:txBody>
+      </p:sp>
+      <p:sp>
+        <p:nvSpPr>
+          <p:cNvPr id="3" name="Textplatzhalter 2"/>
+          <p:cNvSpPr>
+            <a:spLocks noGrp="1"/>
+          </p:cNvSpPr>
+          <p:nvPr>
+            <p:ph type="body" idx="1"/>
+          </p:nvPr>
+        </p:nvSpPr>
+        <p:spPr/>
+        <p:txBody>
+          <a:bodyPr/>
+          <a:lstStyle/>
+          <a:p>
+            <a:endParaRPr lang="de-CH"/>
+          </a:p>
+        </p:txBody>
+      </p:sp>
+      <p:sp>
+        <p:nvSpPr>
+          <p:cNvPr id="4" name="Inhaltsplatzhalter 3"/>
+          <p:cNvSpPr>
+            <a:spLocks noGrp="1"/>
+          </p:cNvSpPr>
+          <p:nvPr>
+            <p:ph sz="half" idx="2"/>
+          </p:nvPr>
+        </p:nvSpPr>
+        <p:spPr/>
+        <p:txBody>
+          <a:bodyPr/>
+          <a:lstStyle/>
+          <a:p>
+            <a:endParaRPr lang="de-CH"/>
+          </a:p>
+        </p:txBody>
+      </p:sp>
+      <p:sp>
+        <p:nvSpPr>
+          <p:cNvPr id="5" name="Textplatzhalter 4"/>
+          <p:cNvSpPr>
+            <a:spLocks noGrp="1"/>
+          </p:cNvSpPr>
+          <p:nvPr>
+            <p:ph type="body" sz="quarter" idx="3"/>
+          </p:nvPr>
+        </p:nvSpPr>
+        <p:spPr/>
+        <p:txBody>
+          <a:bodyPr/>
+          <a:lstStyle/>
+          <a:p>
+            <a:endParaRPr lang="de-CH"/>
+          </a:p>
+        </p:txBody>
+      </p:sp>
+      <p:sp>
+        <p:nvSpPr>
+          <p:cNvPr id="6" name="Inhaltsplatzhalter 5"/>
+          <p:cNvSpPr>
+            <a:spLocks noGrp="1"/>
+          </p:cNvSpPr>
+          <p:nvPr>
+            <p:ph sz="quarter" idx="4"/>
+          </p:nvPr>
+        </p:nvSpPr>
+        <p:spPr/>
+        <p:txBody>
+          <a:bodyPr/>
+          <a:lstStyle/>
+          <a:p>
+            <a:endParaRPr lang="de-CH"/>
+          </a:p>
+        </p:txBody>
+      </p:sp>
+      <p:pic>
+        <p:nvPicPr>
+          <p:cNvPr id="1027" name="Picture 3" descr="C:\Users\James\workspaceLuna\sed_projekt\doc\task02\Scrumrum.png"/>
+          <p:cNvPicPr>
+            <a:picLocks noChangeAspect="1" noChangeArrowheads="1"/>
+          </p:cNvPicPr>
+          <p:nvPr/>
+        </p:nvPicPr>
+        <p:blipFill>
+          <a:blip r:embed="rId3">
+            <a:extLst>
+              <a:ext uri="{28A0092B-C50C-407E-A947-70E740481C1C}">
+                <a14:useLocalDpi xmlns:a14="http://schemas.microsoft.com/office/drawing/2010/main" val="0"/>
+              </a:ext>
+            </a:extLst>
+          </a:blip>
+          <a:srcRect/>
+          <a:stretch>
+            <a:fillRect/>
+          </a:stretch>
+        </p:blipFill>
+        <p:spPr bwMode="auto">
+          <a:xfrm>
+            <a:off x="1269876" y="332656"/>
+            <a:ext cx="9144000" cy="6858000"/>
+          </a:xfrm>
+          <a:prstGeom prst="rect">
+            <a:avLst/>
+          </a:prstGeom>
+          <a:noFill/>
+          <a:extLst>
+            <a:ext uri="{909E8E84-426E-40DD-AFC4-6F175D3DCCD1}">
+              <a14:hiddenFill xmlns:a14="http://schemas.microsoft.com/office/drawing/2010/main">
+                <a:solidFill>
+                  <a:srgbClr val="FFFFFF"/>
+                </a:solidFill>
+              </a14:hiddenFill>
+            </a:ext>
+          </a:extLst>
+        </p:spPr>
+      </p:pic>
     </p:spTree>
     <p:extLst>
       <p:ext uri="{BB962C8B-B14F-4D97-AF65-F5344CB8AC3E}">
-        <p14:creationId xmlns:p14="http://schemas.microsoft.com/office/powerpoint/2010/main" val="3485366034"/>
+        <p14:creationId xmlns:p14="http://schemas.microsoft.com/office/powerpoint/2010/main" val="1670226189"/>
       </p:ext>
     </p:extLst>
   </p:cSld>
   <p:clrMapOvr>
     <a:masterClrMapping/>
   </p:clrMapOvr>
-  <mc:AlternateContent xmlns:mc="http://schemas.openxmlformats.org/markup-compatibility/2006" xmlns:p14="http://schemas.microsoft.com/office/powerpoint/2010/main">
-    <mc:Choice Requires="p14">
-      <p:transition spd="med" p14:dur="700">
-        <p:fade/>
-      </p:transition>
+  <mc:AlternateContent xmlns:mc="http://schemas.openxmlformats.org/markup-compatibility/2006">
+    <mc:Choice xmlns:p14="http://schemas.microsoft.com/office/powerpoint/2010/main" Requires="p14">
+      <p:transition p14:dur="0"/>
     </mc:Choice>
-    <mc:Fallback xmlns="">
-      <p:transition spd="med">
-        <p:fade/>
-      </p:transition>
+    <mc:Fallback>
+      <p:transition/>
     </mc:Fallback>
   </mc:AlternateContent>
   <p:timing>
@@ -6678,19 +7670,7 @@
           <a:p>
             <a:r>
               <a:rPr lang="en-US" sz="3200" dirty="0" err="1" smtClean="0"/>
-              <a:t>Vorgehen</a:t>
-            </a:r>
-            <a:r>
-              <a:rPr lang="en-US" sz="3200" dirty="0" smtClean="0"/>
-              <a:t> </a:t>
-            </a:r>
-            <a:r>
-              <a:rPr lang="en-US" sz="3200" dirty="0" err="1" smtClean="0"/>
-              <a:t>Im</a:t>
-            </a:r>
-            <a:r>
-              <a:rPr lang="en-US" sz="3200" dirty="0" smtClean="0"/>
-              <a:t> Detail</a:t>
+              <a:t>Planung</a:t>
             </a:r>
             <a:endParaRPr lang="en-US" sz="3200" dirty="0"/>
           </a:p>
@@ -6716,6 +7696,121 @@
           <a:bodyPr/>
           <a:lstStyle/>
           <a:p>
+            <a:r>
+              <a:rPr lang="en-US" dirty="0" err="1" smtClean="0"/>
+              <a:t>Kunde</a:t>
+            </a:r>
+            <a:r>
+              <a:rPr lang="en-US" dirty="0" smtClean="0"/>
+              <a:t> und Team </a:t>
+            </a:r>
+            <a:r>
+              <a:rPr lang="en-US" dirty="0" err="1" smtClean="0"/>
+              <a:t>definiert</a:t>
+            </a:r>
+            <a:r>
+              <a:rPr lang="en-US" dirty="0" smtClean="0"/>
+              <a:t> Iteration</a:t>
+            </a:r>
+            <a:br>
+              <a:rPr lang="en-US" dirty="0" smtClean="0"/>
+            </a:br>
+            <a:r>
+              <a:rPr lang="en-US" b="1" dirty="0" err="1" smtClean="0"/>
+              <a:t>Ziele</a:t>
+            </a:r>
+            <a:r>
+              <a:rPr lang="en-US" dirty="0" smtClean="0"/>
+              <a:t/>
+            </a:r>
+            <a:br>
+              <a:rPr lang="en-US" dirty="0" smtClean="0"/>
+            </a:br>
+            <a:r>
+              <a:rPr lang="en-US" dirty="0" err="1" smtClean="0"/>
+              <a:t>Ziele</a:t>
+            </a:r>
+            <a:r>
+              <a:rPr lang="en-US" dirty="0" smtClean="0"/>
+              <a:t> </a:t>
+            </a:r>
+            <a:r>
+              <a:rPr lang="en-US" dirty="0" err="1" smtClean="0"/>
+              <a:t>für</a:t>
+            </a:r>
+            <a:r>
+              <a:rPr lang="en-US" dirty="0" smtClean="0"/>
+              <a:t> Iteration </a:t>
+            </a:r>
+            <a:r>
+              <a:rPr lang="en-US" dirty="0" err="1" smtClean="0"/>
+              <a:t>definiert</a:t>
+            </a:r>
+            <a:endParaRPr lang="en-US" dirty="0" smtClean="0"/>
+          </a:p>
+          <a:p>
+            <a:r>
+              <a:rPr lang="en-US" b="1" dirty="0" err="1" smtClean="0"/>
+              <a:t>Akteure</a:t>
+            </a:r>
+            <a:endParaRPr lang="en-US" b="1" dirty="0" smtClean="0"/>
+          </a:p>
+          <a:p>
+            <a:pPr marL="457200" indent="-457200">
+              <a:buFontTx/>
+              <a:buChar char="-"/>
+            </a:pPr>
+            <a:r>
+              <a:rPr lang="en-US" dirty="0" err="1" smtClean="0"/>
+              <a:t>Kunde</a:t>
+            </a:r>
+            <a:endParaRPr lang="en-US" dirty="0" smtClean="0"/>
+          </a:p>
+          <a:p>
+            <a:pPr marL="457200" indent="-457200">
+              <a:buFontTx/>
+              <a:buChar char="-"/>
+            </a:pPr>
+            <a:r>
+              <a:rPr lang="en-US" dirty="0" smtClean="0"/>
+              <a:t>Team</a:t>
+            </a:r>
+          </a:p>
+          <a:p>
+            <a:r>
+              <a:rPr lang="en-US" dirty="0" smtClean="0"/>
+              <a:t/>
+            </a:r>
+            <a:br>
+              <a:rPr lang="en-US" dirty="0" smtClean="0"/>
+            </a:br>
+            <a:r>
+              <a:rPr lang="en-US" b="1" dirty="0" err="1" smtClean="0"/>
+              <a:t>Wichtigste</a:t>
+            </a:r>
+            <a:r>
+              <a:rPr lang="en-US" b="1" dirty="0" smtClean="0"/>
+              <a:t> </a:t>
+            </a:r>
+            <a:r>
+              <a:rPr lang="en-US" b="1" dirty="0" err="1" smtClean="0"/>
+              <a:t>Artefakte</a:t>
+            </a:r>
+            <a:r>
+              <a:rPr lang="en-US" b="1" dirty="0" smtClean="0"/>
+              <a:t/>
+            </a:r>
+            <a:br>
+              <a:rPr lang="en-US" b="1" dirty="0" smtClean="0"/>
+            </a:br>
+            <a:r>
+              <a:rPr lang="en-US" b="1" dirty="0" smtClean="0"/>
+              <a:t>- </a:t>
+            </a:r>
+            <a:r>
+              <a:rPr lang="en-US" dirty="0" smtClean="0"/>
+              <a:t>Backlog</a:t>
+            </a:r>
             <a:endParaRPr lang="en-US" b="1" dirty="0"/>
           </a:p>
         </p:txBody>
@@ -6723,23 +7818,19 @@
     </p:spTree>
     <p:extLst>
       <p:ext uri="{BB962C8B-B14F-4D97-AF65-F5344CB8AC3E}">
-        <p14:creationId xmlns:p14="http://schemas.microsoft.com/office/powerpoint/2010/main" val="1846635791"/>
+        <p14:creationId xmlns:p14="http://schemas.microsoft.com/office/powerpoint/2010/main" val="1481731119"/>
       </p:ext>
     </p:extLst>
   </p:cSld>
   <p:clrMapOvr>
     <a:masterClrMapping/>
   </p:clrMapOvr>
-  <mc:AlternateContent xmlns:mc="http://schemas.openxmlformats.org/markup-compatibility/2006" xmlns:p14="http://schemas.microsoft.com/office/powerpoint/2010/main">
-    <mc:Choice Requires="p14">
-      <p:transition spd="med" p14:dur="700">
-        <p:fade/>
-      </p:transition>
+  <mc:AlternateContent xmlns:mc="http://schemas.openxmlformats.org/markup-compatibility/2006">
+    <mc:Choice xmlns:p14="http://schemas.microsoft.com/office/powerpoint/2010/main" Requires="p14">
+      <p:transition p14:dur="0"/>
     </mc:Choice>
-    <mc:Fallback xmlns="">
-      <p:transition spd="med">
-        <p:fade/>
-      </p:transition>
+    <mc:Fallback>
+      <p:transition/>
     </mc:Fallback>
   </mc:AlternateContent>
   <p:timing>
@@ -6787,8 +7878,12 @@
           <a:lstStyle/>
           <a:p>
             <a:r>
+              <a:rPr lang="en-US" sz="3200" dirty="0" smtClean="0"/>
+              <a:t>Design / </a:t>
+            </a:r>
+            <a:r>
               <a:rPr lang="en-US" sz="3200" dirty="0" err="1" smtClean="0"/>
-              <a:t>Planung</a:t>
+              <a:t>Entwicklung</a:t>
             </a:r>
             <a:endParaRPr lang="en-US" sz="3200" dirty="0"/>
           </a:p>
@@ -6815,31 +7910,34 @@
           <a:lstStyle/>
           <a:p>
             <a:r>
+              <a:rPr lang="en-US" dirty="0" smtClean="0"/>
+              <a:t>User </a:t>
+            </a:r>
+            <a:r>
+              <a:rPr lang="en-US" dirty="0" smtClean="0"/>
+              <a:t>Stories / Tasks </a:t>
+            </a:r>
+            <a:r>
               <a:rPr lang="en-US" dirty="0" err="1" smtClean="0"/>
-              <a:t>Kunde</a:t>
-            </a:r>
+              <a:t>definieren</a:t>
+            </a:r>
+            <a:endParaRPr lang="en-US" dirty="0"/>
+          </a:p>
+          <a:p>
             <a:r>
               <a:rPr lang="en-US" dirty="0" smtClean="0"/>
-              <a:t> und Team </a:t>
+              <a:t>1x pro </a:t>
             </a:r>
             <a:r>
               <a:rPr lang="en-US" dirty="0" err="1" smtClean="0"/>
-              <a:t>definiert</a:t>
+              <a:t>Woche</a:t>
             </a:r>
             <a:r>
               <a:rPr lang="en-US" dirty="0" smtClean="0"/>
-              <a:t> Iteration</a:t>
-            </a:r>
-            <a:br>
-              <a:rPr lang="en-US" dirty="0" smtClean="0"/>
-            </a:br>
-            <a:r>
-              <a:rPr lang="en-US" dirty="0" smtClean="0"/>
-              <a:t/>
-            </a:r>
-            <a:br>
-              <a:rPr lang="en-US" dirty="0" smtClean="0"/>
-            </a:br>
+              <a:t> Meeting </a:t>
+            </a:r>
+          </a:p>
+          <a:p>
             <a:endParaRPr lang="en-US" dirty="0" smtClean="0"/>
           </a:p>
           <a:p>
@@ -6847,7 +7945,7 @@
               <a:rPr lang="en-US" b="1" dirty="0" err="1" smtClean="0"/>
               <a:t>Akteure</a:t>
             </a:r>
-            <a:endParaRPr lang="en-US" b="1" dirty="0" smtClean="0"/>
+            <a:endParaRPr lang="en-US" dirty="0" smtClean="0"/>
           </a:p>
           <a:p>
             <a:pPr marL="457200" indent="-457200">
@@ -6855,10 +7953,9 @@
               <a:buChar char="-"/>
             </a:pPr>
             <a:r>
-              <a:rPr lang="en-US" dirty="0" err="1" smtClean="0"/>
-              <a:t>Kunde</a:t>
-            </a:r>
-            <a:endParaRPr lang="en-US" dirty="0" smtClean="0"/>
+              <a:rPr lang="en-US" dirty="0" smtClean="0"/>
+              <a:t>Team</a:t>
+            </a:r>
           </a:p>
           <a:p>
             <a:pPr marL="457200" indent="-457200">
@@ -6866,9 +7963,32 @@
               <a:buChar char="-"/>
             </a:pPr>
             <a:r>
+              <a:rPr lang="en-US" dirty="0" err="1" smtClean="0"/>
+              <a:t>Kunde</a:t>
+            </a:r>
+            <a:endParaRPr lang="en-US" dirty="0" smtClean="0"/>
+          </a:p>
+          <a:p>
+            <a:r>
+              <a:rPr lang="en-US" b="1" dirty="0" err="1" smtClean="0"/>
+              <a:t>Ziele</a:t>
+            </a:r>
+            <a:endParaRPr lang="en-US" b="1" dirty="0" smtClean="0"/>
+          </a:p>
+          <a:p>
+            <a:r>
+              <a:rPr lang="en-US" dirty="0" err="1" smtClean="0"/>
+              <a:t>Lauffähiges</a:t>
+            </a:r>
+            <a:r>
               <a:rPr lang="en-US" dirty="0" smtClean="0"/>
-              <a:t>Team</a:t>
-            </a:r>
+              <a:t> </a:t>
+            </a:r>
+            <a:r>
+              <a:rPr lang="en-US" dirty="0" err="1" smtClean="0"/>
+              <a:t>Programm</a:t>
+            </a:r>
+            <a:endParaRPr lang="en-US" dirty="0" smtClean="0"/>
           </a:p>
           <a:p>
             <a:r>
@@ -6883,7 +8003,7 @@
               <a:t>Wichtigste</a:t>
             </a:r>
             <a:r>
-              <a:rPr lang="en-US" b="1" dirty="0" smtClean="0"/>
+              <a:rPr lang="en-US" dirty="0" smtClean="0"/>
               <a:t> </a:t>
             </a:r>
             <a:r>
@@ -6902,8 +8022,27 @@
               <a:t>- </a:t>
             </a:r>
             <a:r>
+              <a:rPr lang="en-US" dirty="0" err="1" smtClean="0"/>
+              <a:t>Lauffähiges</a:t>
+            </a:r>
+            <a:r>
               <a:rPr lang="en-US" dirty="0" smtClean="0"/>
-              <a:t>Backlog</a:t>
+              <a:t> </a:t>
+            </a:r>
+            <a:r>
+              <a:rPr lang="en-US" dirty="0" err="1" smtClean="0"/>
+              <a:t>Programm</a:t>
+            </a:r>
+            <a:endParaRPr lang="en-US" dirty="0" smtClean="0"/>
+          </a:p>
+          <a:p>
+            <a:r>
+              <a:rPr lang="en-US" b="1" dirty="0" smtClean="0"/>
+              <a:t>- </a:t>
+            </a:r>
+            <a:r>
+              <a:rPr lang="en-US" dirty="0" smtClean="0"/>
+              <a:t>Tasks / User Stories</a:t>
             </a:r>
             <a:endParaRPr lang="en-US" b="1" dirty="0"/>
           </a:p>
@@ -6912,23 +8051,19 @@
     </p:spTree>
     <p:extLst>
       <p:ext uri="{BB962C8B-B14F-4D97-AF65-F5344CB8AC3E}">
-        <p14:creationId xmlns:p14="http://schemas.microsoft.com/office/powerpoint/2010/main" val="1481731119"/>
+        <p14:creationId xmlns:p14="http://schemas.microsoft.com/office/powerpoint/2010/main" val="1101737685"/>
       </p:ext>
     </p:extLst>
   </p:cSld>
   <p:clrMapOvr>
     <a:masterClrMapping/>
   </p:clrMapOvr>
-  <mc:AlternateContent xmlns:mc="http://schemas.openxmlformats.org/markup-compatibility/2006" xmlns:p14="http://schemas.microsoft.com/office/powerpoint/2010/main">
-    <mc:Choice Requires="p14">
-      <p:transition spd="med" p14:dur="700">
-        <p:fade/>
-      </p:transition>
+  <mc:AlternateContent xmlns:mc="http://schemas.openxmlformats.org/markup-compatibility/2006">
+    <mc:Choice xmlns:p14="http://schemas.microsoft.com/office/powerpoint/2010/main" Requires="p14">
+      <p:transition p14:dur="0"/>
     </mc:Choice>
-    <mc:Fallback xmlns="">
-      <p:transition spd="med">
-        <p:fade/>
-      </p:transition>
+    <mc:Fallback>
+      <p:transition/>
     </mc:Fallback>
   </mc:AlternateContent>
   <p:timing>
@@ -6976,12 +8111,8 @@
           <a:lstStyle/>
           <a:p>
             <a:r>
-              <a:rPr lang="en-US" sz="3200" dirty="0" smtClean="0"/>
-              <a:t>Design / </a:t>
-            </a:r>
-            <a:r>
               <a:rPr lang="en-US" sz="3200" dirty="0" err="1" smtClean="0"/>
-              <a:t>Entwicklung</a:t>
+              <a:t>Testen</a:t>
             </a:r>
             <a:endParaRPr lang="en-US" sz="3200" dirty="0"/>
           </a:p>
@@ -7009,11 +8140,23 @@
           <a:p>
             <a:r>
               <a:rPr lang="en-US" dirty="0" smtClean="0"/>
-              <a:t>User Stories / Tasks </a:t>
+              <a:t>User </a:t>
             </a:r>
             <a:r>
               <a:rPr lang="en-US" dirty="0" err="1" smtClean="0"/>
-              <a:t>definieren</a:t>
+              <a:t>testen</a:t>
+            </a:r>
+            <a:r>
+              <a:rPr lang="en-US" dirty="0" smtClean="0"/>
+              <a:t> System, </a:t>
+            </a:r>
+            <a:r>
+              <a:rPr lang="en-US" dirty="0" err="1" smtClean="0"/>
+              <a:t>geben</a:t>
+            </a:r>
+            <a:r>
+              <a:rPr lang="en-US" dirty="0" smtClean="0"/>
+              <a:t> Feedback</a:t>
             </a:r>
             <a:endParaRPr lang="en-US" dirty="0" smtClean="0"/>
           </a:p>
@@ -7035,6 +8178,25 @@
             </a:r>
           </a:p>
           <a:p>
+            <a:r>
+              <a:rPr lang="en-US" b="1" dirty="0" err="1" smtClean="0"/>
+              <a:t>Ziele</a:t>
+            </a:r>
+            <a:endParaRPr lang="en-US" b="1" dirty="0" smtClean="0"/>
+          </a:p>
+          <a:p>
+            <a:r>
+              <a:rPr lang="en-US" dirty="0" smtClean="0"/>
+              <a:t>- </a:t>
+            </a:r>
+            <a:r>
+              <a:rPr lang="en-US" dirty="0" err="1" smtClean="0"/>
+              <a:t>Fehlerfindung</a:t>
+            </a:r>
+            <a:r>
+              <a:rPr lang="en-US" dirty="0" smtClean="0"/>
+              <a:t>/ User Feedback</a:t>
+            </a:r>
             <a:endParaRPr lang="en-US" dirty="0" smtClean="0"/>
           </a:p>
           <a:p>
@@ -7066,6 +8228,24 @@
             <a:endParaRPr lang="en-US" dirty="0" smtClean="0"/>
           </a:p>
           <a:p>
+            <a:pPr marL="457200" indent="-457200">
+              <a:buFontTx/>
+              <a:buChar char="-"/>
+            </a:pPr>
+            <a:r>
+              <a:rPr lang="en-US" dirty="0" smtClean="0"/>
+              <a:t>Users (Medical Staff, </a:t>
+            </a:r>
+            <a:r>
+              <a:rPr lang="en-US" dirty="0" err="1" smtClean="0"/>
+              <a:t>Receptionist,ect</a:t>
+            </a:r>
+            <a:r>
+              <a:rPr lang="en-US" dirty="0" smtClean="0"/>
+              <a:t>)</a:t>
+            </a:r>
+          </a:p>
+          <a:p>
             <a:r>
               <a:rPr lang="en-US" dirty="0" smtClean="0"/>
               <a:t/>
@@ -7093,31 +8273,18 @@
               <a:rPr lang="en-US" b="1" dirty="0" smtClean="0"/>
             </a:br>
             <a:r>
+              <a:rPr lang="en-US" dirty="0" smtClean="0"/>
+              <a:t>- Feedback User</a:t>
+            </a:r>
+          </a:p>
+          <a:p>
+            <a:r>
               <a:rPr lang="en-US" b="1" dirty="0" smtClean="0"/>
               <a:t>- </a:t>
             </a:r>
             <a:r>
               <a:rPr lang="en-US" dirty="0" err="1" smtClean="0"/>
-              <a:t>Lauffähiges</a:t>
-            </a:r>
-            <a:r>
-              <a:rPr lang="en-US" dirty="0" smtClean="0"/>
-              <a:t> </a:t>
-            </a:r>
-            <a:r>
-              <a:rPr lang="en-US" dirty="0" err="1" smtClean="0"/>
-              <a:t>Programm</a:t>
-            </a:r>
-            <a:endParaRPr lang="en-US" dirty="0" smtClean="0"/>
-          </a:p>
-          <a:p>
-            <a:r>
-              <a:rPr lang="en-US" b="1" dirty="0" smtClean="0"/>
-              <a:t>- </a:t>
-            </a:r>
-            <a:r>
-              <a:rPr lang="en-US" dirty="0" smtClean="0"/>
-              <a:t>Tasks / User Stories</a:t>
+              <a:t>Testbericht</a:t>
             </a:r>
             <a:endParaRPr lang="en-US" b="1" dirty="0"/>
           </a:p>
@@ -7126,23 +8293,19 @@
     </p:spTree>
     <p:extLst>
       <p:ext uri="{BB962C8B-B14F-4D97-AF65-F5344CB8AC3E}">
-        <p14:creationId xmlns:p14="http://schemas.microsoft.com/office/powerpoint/2010/main" val="1101737685"/>
+        <p14:creationId xmlns:p14="http://schemas.microsoft.com/office/powerpoint/2010/main" val="566698918"/>
       </p:ext>
     </p:extLst>
   </p:cSld>
   <p:clrMapOvr>
     <a:masterClrMapping/>
   </p:clrMapOvr>
-  <mc:AlternateContent xmlns:mc="http://schemas.openxmlformats.org/markup-compatibility/2006" xmlns:p14="http://schemas.microsoft.com/office/powerpoint/2010/main">
-    <mc:Choice Requires="p14">
-      <p:transition spd="med" p14:dur="700">
-        <p:fade/>
-      </p:transition>
+  <mc:AlternateContent xmlns:mc="http://schemas.openxmlformats.org/markup-compatibility/2006">
+    <mc:Choice xmlns:p14="http://schemas.microsoft.com/office/powerpoint/2010/main" Requires="p14">
+      <p:transition p14:dur="0"/>
     </mc:Choice>
-    <mc:Fallback xmlns="">
-      <p:transition spd="med">
-        <p:fade/>
-      </p:transition>
+    <mc:Fallback>
+      <p:transition/>
     </mc:Fallback>
   </mc:AlternateContent>
   <p:timing>
@@ -7191,7 +8354,7 @@
           <a:p>
             <a:r>
               <a:rPr lang="en-US" sz="3200" dirty="0" err="1" smtClean="0"/>
-              <a:t>Testen</a:t>
+              <a:t>FRagen</a:t>
             </a:r>
             <a:endParaRPr lang="en-US" sz="3200" dirty="0"/>
           </a:p>
@@ -7217,150 +8380,31 @@
           <a:bodyPr/>
           <a:lstStyle/>
           <a:p>
-            <a:r>
-              <a:rPr lang="en-US" dirty="0" smtClean="0"/>
-              <a:t>System </a:t>
-            </a:r>
-            <a:r>
-              <a:rPr lang="en-US" dirty="0" err="1" smtClean="0"/>
-              <a:t>mit</a:t>
-            </a:r>
-            <a:r>
-              <a:rPr lang="en-US" dirty="0" smtClean="0"/>
-              <a:t> </a:t>
-            </a:r>
-          </a:p>
-          <a:p>
-            <a:endParaRPr lang="en-US" dirty="0"/>
-          </a:p>
-          <a:p>
-            <a:r>
-              <a:rPr lang="en-US" dirty="0" smtClean="0"/>
-              <a:t>1x pro </a:t>
-            </a:r>
-            <a:r>
-              <a:rPr lang="en-US" dirty="0" err="1" smtClean="0"/>
-              <a:t>Woche</a:t>
-            </a:r>
-            <a:r>
-              <a:rPr lang="en-US" dirty="0" smtClean="0"/>
-              <a:t> Meeting </a:t>
-            </a:r>
-          </a:p>
-          <a:p>
-            <a:endParaRPr lang="en-US" dirty="0" smtClean="0"/>
-          </a:p>
-          <a:p>
-            <a:r>
-              <a:rPr lang="en-US" b="1" dirty="0" err="1" smtClean="0"/>
-              <a:t>Akteure</a:t>
-            </a:r>
-            <a:endParaRPr lang="en-US" dirty="0" smtClean="0"/>
-          </a:p>
-          <a:p>
-            <a:pPr marL="457200" indent="-457200">
-              <a:buFontTx/>
-              <a:buChar char="-"/>
-            </a:pPr>
-            <a:r>
-              <a:rPr lang="en-US" dirty="0" smtClean="0"/>
-              <a:t>Team</a:t>
-            </a:r>
-          </a:p>
-          <a:p>
-            <a:pPr marL="457200" indent="-457200">
-              <a:buFontTx/>
-              <a:buChar char="-"/>
-            </a:pPr>
-            <a:r>
-              <a:rPr lang="en-US" dirty="0" err="1" smtClean="0"/>
-              <a:t>Kunde</a:t>
-            </a:r>
-            <a:endParaRPr lang="en-US" dirty="0" smtClean="0"/>
-          </a:p>
-          <a:p>
-            <a:pPr marL="457200" indent="-457200">
-              <a:buFontTx/>
-              <a:buChar char="-"/>
-            </a:pPr>
-            <a:r>
-              <a:rPr lang="en-US" dirty="0" smtClean="0"/>
-              <a:t>Users (Medical Staff, </a:t>
-            </a:r>
-            <a:r>
-              <a:rPr lang="en-US" dirty="0" err="1" smtClean="0"/>
-              <a:t>Receptionist,ect</a:t>
-            </a:r>
-            <a:r>
-              <a:rPr lang="en-US" dirty="0" smtClean="0"/>
-              <a:t>)</a:t>
-            </a:r>
-          </a:p>
-          <a:p>
-            <a:r>
-              <a:rPr lang="en-US" dirty="0" smtClean="0"/>
-              <a:t/>
-            </a:r>
-            <a:br>
-              <a:rPr lang="en-US" dirty="0" smtClean="0"/>
-            </a:br>
-            <a:r>
-              <a:rPr lang="en-US" b="1" dirty="0" err="1" smtClean="0"/>
-              <a:t>Wichtigste</a:t>
-            </a:r>
-            <a:r>
-              <a:rPr lang="en-US" dirty="0" smtClean="0"/>
-              <a:t> </a:t>
-            </a:r>
-            <a:r>
-              <a:rPr lang="en-US" b="1" dirty="0" err="1" smtClean="0"/>
-              <a:t>Artefakte</a:t>
-            </a:r>
-            <a:r>
-              <a:rPr lang="en-US" b="1" dirty="0" smtClean="0"/>
-              <a:t/>
-            </a:r>
-            <a:br>
-              <a:rPr lang="en-US" b="1" dirty="0" smtClean="0"/>
-            </a:br>
-            <a:r>
-              <a:rPr lang="en-US" dirty="0" smtClean="0"/>
-              <a:t>- Feedback User</a:t>
-            </a:r>
-          </a:p>
-          <a:p>
-            <a:r>
-              <a:rPr lang="en-US" b="1" dirty="0" smtClean="0"/>
-              <a:t>- </a:t>
-            </a:r>
-            <a:r>
-              <a:rPr lang="en-US" dirty="0" err="1" smtClean="0"/>
-              <a:t>Testbericht</a:t>
-            </a:r>
-            <a:endParaRPr lang="en-US" b="1" dirty="0"/>
+            <a:pPr algn="ctr"/>
+            <a:r>
+              <a:rPr lang="en-US" sz="20000" b="1" dirty="0" smtClean="0"/>
+              <a:t>?</a:t>
+            </a:r>
+            <a:endParaRPr lang="en-US" sz="20000" b="1" dirty="0"/>
           </a:p>
         </p:txBody>
       </p:sp>
     </p:spTree>
     <p:extLst>
       <p:ext uri="{BB962C8B-B14F-4D97-AF65-F5344CB8AC3E}">
-        <p14:creationId xmlns:p14="http://schemas.microsoft.com/office/powerpoint/2010/main" val="566698918"/>
+        <p14:creationId xmlns:p14="http://schemas.microsoft.com/office/powerpoint/2010/main" val="3370553250"/>
       </p:ext>
     </p:extLst>
   </p:cSld>
   <p:clrMapOvr>
     <a:masterClrMapping/>
   </p:clrMapOvr>
-  <mc:AlternateContent xmlns:mc="http://schemas.openxmlformats.org/markup-compatibility/2006" xmlns:p14="http://schemas.microsoft.com/office/powerpoint/2010/main">
-    <mc:Choice Requires="p14">
-      <p:transition spd="med" p14:dur="700">
-        <p:fade/>
-      </p:transition>
+  <mc:AlternateContent xmlns:mc="http://schemas.openxmlformats.org/markup-compatibility/2006">
+    <mc:Choice xmlns:p14="http://schemas.microsoft.com/office/powerpoint/2010/main" Requires="p14">
+      <p:transition p14:dur="0"/>
     </mc:Choice>
-    <mc:Fallback xmlns="">
-      <p:transition spd="med">
-        <p:fade/>
-      </p:transition>
+    <mc:Fallback>
+      <p:transition/>
     </mc:Fallback>
   </mc:AlternateContent>
   <p:timing>

--- a/doc/task02/Task 2.pptx
+++ b/doc/task02/Task 2.pptx
@@ -5,21 +5,22 @@
     <p:sldMasterId id="2147483660" r:id="rId2"/>
   </p:sldMasterIdLst>
   <p:notesMasterIdLst>
-    <p:notesMasterId r:id="rId12"/>
+    <p:notesMasterId r:id="rId13"/>
   </p:notesMasterIdLst>
   <p:handoutMasterIdLst>
-    <p:handoutMasterId r:id="rId13"/>
+    <p:handoutMasterId r:id="rId14"/>
   </p:handoutMasterIdLst>
   <p:sldIdLst>
     <p:sldId id="279" r:id="rId3"/>
     <p:sldId id="273" r:id="rId4"/>
     <p:sldId id="288" r:id="rId5"/>
     <p:sldId id="287" r:id="rId6"/>
-    <p:sldId id="296" r:id="rId7"/>
-    <p:sldId id="290" r:id="rId8"/>
-    <p:sldId id="292" r:id="rId9"/>
-    <p:sldId id="293" r:id="rId10"/>
-    <p:sldId id="295" r:id="rId11"/>
+    <p:sldId id="297" r:id="rId7"/>
+    <p:sldId id="296" r:id="rId8"/>
+    <p:sldId id="290" r:id="rId9"/>
+    <p:sldId id="292" r:id="rId10"/>
+    <p:sldId id="293" r:id="rId11"/>
+    <p:sldId id="295" r:id="rId12"/>
   </p:sldIdLst>
   <p:sldSz cx="12188825" cy="6858000"/>
   <p:notesSz cx="6858000" cy="9144000"/>
@@ -120,7 +121,7 @@
   </p:defaultTextStyle>
   <p:extLst>
     <p:ext uri="{EFAFB233-063F-42B5-8137-9DF3F51BA10A}">
-      <p15:sldGuideLst xmlns="" xmlns:p15="http://schemas.microsoft.com/office/powerpoint/2012/main">
+      <p15:sldGuideLst xmlns:p15="http://schemas.microsoft.com/office/powerpoint/2012/main" xmlns="">
         <p15:guide id="1" orient="horz" pos="2160">
           <p15:clr>
             <a:srgbClr val="A4A3A4"/>
@@ -134,7 +135,7 @@
       </p15:sldGuideLst>
     </p:ext>
     <p:ext uri="{2D200454-40CA-4A62-9FC3-DE9A4176ACB9}">
-      <p15:notesGuideLst xmlns="" xmlns:p15="http://schemas.microsoft.com/office/powerpoint/2012/main">
+      <p15:notesGuideLst xmlns:p15="http://schemas.microsoft.com/office/powerpoint/2012/main" xmlns="">
         <p15:guide id="1" orient="horz" pos="2880">
           <p15:clr>
             <a:srgbClr val="A4A3A4"/>
@@ -1042,11 +1043,11 @@
           <a:p>
             <a:r>
               <a:rPr lang="en-US" dirty="0" err="1" smtClean="0"/>
-              <a:t>Wie</a:t>
+              <a:t>Abwandlung</a:t>
             </a:r>
             <a:r>
               <a:rPr lang="en-US" dirty="0" smtClean="0"/>
-              <a:t> Scrum</a:t>
+              <a:t> von Scrum</a:t>
             </a:r>
             <a:r>
               <a:rPr lang="en-US" baseline="0" dirty="0" smtClean="0"/>
@@ -1268,7 +1269,7 @@
           <a:p>
             <a:fld id="{9E11EC53-F507-411E-9ADC-FBCFECE09D3D}" type="slidenum">
               <a:rPr lang="de-CH" smtClean="0"/>
-              <a:t>5</a:t>
+              <a:t>6</a:t>
             </a:fld>
             <a:endParaRPr lang="de-CH"/>
           </a:p>
@@ -1394,7 +1395,7 @@
           <a:p>
             <a:fld id="{9E11EC53-F507-411E-9ADC-FBCFECE09D3D}" type="slidenum">
               <a:rPr lang="de-CH" smtClean="0"/>
-              <a:t>6</a:t>
+              <a:t>7</a:t>
             </a:fld>
             <a:endParaRPr lang="de-CH"/>
           </a:p>
@@ -1549,7 +1550,7 @@
           <a:p>
             <a:fld id="{9E11EC53-F507-411E-9ADC-FBCFECE09D3D}" type="slidenum">
               <a:rPr lang="de-CH" smtClean="0"/>
-              <a:t>7</a:t>
+              <a:t>8</a:t>
             </a:fld>
             <a:endParaRPr lang="de-CH"/>
           </a:p>
@@ -1681,7 +1682,7 @@
           <a:p>
             <a:fld id="{9E11EC53-F507-411E-9ADC-FBCFECE09D3D}" type="slidenum">
               <a:rPr lang="de-CH" smtClean="0"/>
-              <a:t>8</a:t>
+              <a:t>9</a:t>
             </a:fld>
             <a:endParaRPr lang="de-CH"/>
           </a:p>
@@ -4829,11 +4830,11 @@
   <p:clrMapOvr>
     <a:masterClrMapping/>
   </p:clrMapOvr>
-  <mc:AlternateContent xmlns:mc="http://schemas.openxmlformats.org/markup-compatibility/2006">
-    <mc:Choice xmlns:p14="http://schemas.microsoft.com/office/powerpoint/2010/main" Requires="p14">
+  <mc:AlternateContent xmlns:mc="http://schemas.openxmlformats.org/markup-compatibility/2006" xmlns:p14="http://schemas.microsoft.com/office/powerpoint/2010/main">
+    <mc:Choice Requires="p14">
       <p:transition p14:dur="0"/>
     </mc:Choice>
-    <mc:Fallback>
+    <mc:Fallback xmlns="">
       <p:transition/>
     </mc:Fallback>
   </mc:AlternateContent>
@@ -6651,7 +6652,7 @@
   </p:txStyles>
   <p:extLst mod="1">
     <p:ext uri="{27BBF7A9-308A-43DC-89C8-2F10F3537804}">
-      <p15:sldGuideLst xmlns="" xmlns:p15="http://schemas.microsoft.com/office/powerpoint/2012/main">
+      <p15:sldGuideLst xmlns:p15="http://schemas.microsoft.com/office/powerpoint/2012/main" xmlns="">
         <p15:guide id="1" orient="horz" pos="2160">
           <p15:clr>
             <a:srgbClr val="F26B43"/>
@@ -6773,6 +6774,105 @@
 </p:sld>
 </file>
 
+<file path=ppt/slides/slide10.xml><?xml version="1.0" encoding="utf-8"?>
+<p:sld xmlns:a="http://schemas.openxmlformats.org/drawingml/2006/main" xmlns:r="http://schemas.openxmlformats.org/officeDocument/2006/relationships" xmlns:p="http://schemas.openxmlformats.org/presentationml/2006/main">
+  <p:cSld>
+    <p:spTree>
+      <p:nvGrpSpPr>
+        <p:cNvPr id="1" name=""/>
+        <p:cNvGrpSpPr/>
+        <p:nvPr/>
+      </p:nvGrpSpPr>
+      <p:grpSpPr>
+        <a:xfrm>
+          <a:off x="0" y="0"/>
+          <a:ext cx="0" cy="0"/>
+          <a:chOff x="0" y="0"/>
+          <a:chExt cx="0" cy="0"/>
+        </a:xfrm>
+      </p:grpSpPr>
+      <p:sp>
+        <p:nvSpPr>
+          <p:cNvPr id="2" name="Title 1"/>
+          <p:cNvSpPr>
+            <a:spLocks noGrp="1"/>
+          </p:cNvSpPr>
+          <p:nvPr>
+            <p:ph type="title"/>
+          </p:nvPr>
+        </p:nvSpPr>
+        <p:spPr/>
+        <p:txBody>
+          <a:bodyPr>
+            <a:normAutofit/>
+          </a:bodyPr>
+          <a:lstStyle/>
+          <a:p>
+            <a:r>
+              <a:rPr lang="en-US" sz="3200" dirty="0" err="1" smtClean="0"/>
+              <a:t>FRagen</a:t>
+            </a:r>
+            <a:endParaRPr lang="en-US" sz="3200" dirty="0"/>
+          </a:p>
+        </p:txBody>
+      </p:sp>
+      <p:sp>
+        <p:nvSpPr>
+          <p:cNvPr id="3" name="Text Placeholder 2"/>
+          <p:cNvSpPr>
+            <a:spLocks noGrp="1"/>
+          </p:cNvSpPr>
+          <p:nvPr>
+            <p:ph type="body" idx="1"/>
+          </p:nvPr>
+        </p:nvSpPr>
+        <p:spPr>
+          <a:xfrm>
+            <a:off x="914161" y="1803400"/>
+            <a:ext cx="10360501" cy="4649936"/>
+          </a:xfrm>
+        </p:spPr>
+        <p:txBody>
+          <a:bodyPr/>
+          <a:lstStyle/>
+          <a:p>
+            <a:pPr algn="ctr"/>
+            <a:r>
+              <a:rPr lang="en-US" sz="20000" b="1" dirty="0" smtClean="0"/>
+              <a:t>?</a:t>
+            </a:r>
+            <a:endParaRPr lang="en-US" sz="20000" b="1" dirty="0"/>
+          </a:p>
+        </p:txBody>
+      </p:sp>
+    </p:spTree>
+    <p:extLst>
+      <p:ext uri="{BB962C8B-B14F-4D97-AF65-F5344CB8AC3E}">
+        <p14:creationId xmlns:p14="http://schemas.microsoft.com/office/powerpoint/2010/main" val="3370553250"/>
+      </p:ext>
+    </p:extLst>
+  </p:cSld>
+  <p:clrMapOvr>
+    <a:masterClrMapping/>
+  </p:clrMapOvr>
+  <mc:AlternateContent xmlns:mc="http://schemas.openxmlformats.org/markup-compatibility/2006" xmlns:p14="http://schemas.microsoft.com/office/powerpoint/2010/main">
+    <mc:Choice Requires="p14">
+      <p:transition p14:dur="0"/>
+    </mc:Choice>
+    <mc:Fallback xmlns="">
+      <p:transition/>
+    </mc:Fallback>
+  </mc:AlternateContent>
+  <p:timing>
+    <p:tnLst>
+      <p:par>
+        <p:cTn id="1" dur="indefinite" restart="never" nodeType="tmRoot"/>
+      </p:par>
+    </p:tnLst>
+  </p:timing>
+</p:sld>
+</file>
+
 <file path=ppt/slides/slide2.xml><?xml version="1.0" encoding="utf-8"?>
 <p:sld xmlns:a="http://schemas.openxmlformats.org/drawingml/2006/main" xmlns:r="http://schemas.openxmlformats.org/officeDocument/2006/relationships" xmlns:p="http://schemas.openxmlformats.org/presentationml/2006/main">
   <p:cSld>
@@ -6962,11 +7062,11 @@
   <p:clrMapOvr>
     <a:masterClrMapping/>
   </p:clrMapOvr>
-  <mc:AlternateContent xmlns:mc="http://schemas.openxmlformats.org/markup-compatibility/2006">
-    <mc:Choice xmlns:p14="http://schemas.microsoft.com/office/powerpoint/2010/main" Requires="p14">
+  <mc:AlternateContent xmlns:mc="http://schemas.openxmlformats.org/markup-compatibility/2006" xmlns:p14="http://schemas.microsoft.com/office/powerpoint/2010/main">
+    <mc:Choice Requires="p14">
       <p:transition p14:dur="0"/>
     </mc:Choice>
-    <mc:Fallback>
+    <mc:Fallback xmlns="">
       <p:transition/>
     </mc:Fallback>
   </mc:AlternateContent>
@@ -7086,6 +7186,21 @@
               <a:rPr lang="en-US" dirty="0" err="1" smtClean="0"/>
               <a:t>agil</a:t>
             </a:r>
+            <a:endParaRPr lang="en-US" dirty="0" smtClean="0"/>
+          </a:p>
+          <a:p>
+            <a:r>
+              <a:rPr lang="en-US" dirty="0" err="1" smtClean="0"/>
+              <a:t>Erfahrene</a:t>
+            </a:r>
+            <a:r>
+              <a:rPr lang="en-US" dirty="0" smtClean="0"/>
+              <a:t> </a:t>
+            </a:r>
+            <a:r>
+              <a:rPr lang="en-US" dirty="0" err="1" smtClean="0"/>
+              <a:t>Entwickler</a:t>
+            </a:r>
             <a:endParaRPr lang="en-US" dirty="0"/>
           </a:p>
           <a:p>
@@ -7285,11 +7400,11 @@
   <p:clrMapOvr>
     <a:masterClrMapping/>
   </p:clrMapOvr>
-  <mc:AlternateContent xmlns:mc="http://schemas.openxmlformats.org/markup-compatibility/2006">
-    <mc:Choice xmlns:p14="http://schemas.microsoft.com/office/powerpoint/2010/main" Requires="p14">
+  <mc:AlternateContent xmlns:mc="http://schemas.openxmlformats.org/markup-compatibility/2006" xmlns:p14="http://schemas.microsoft.com/office/powerpoint/2010/main">
+    <mc:Choice Requires="p14">
       <p:transition p14:dur="10"/>
     </mc:Choice>
-    <mc:Fallback>
+    <mc:Fallback xmlns="">
       <p:transition/>
     </mc:Fallback>
   </mc:AlternateContent>
@@ -7414,7 +7529,6 @@
               <a:rPr lang="en-US" sz="4500" dirty="0" smtClean="0"/>
               <a:t>)</a:t>
             </a:r>
-            <a:endParaRPr lang="en-US" sz="4500" dirty="0" smtClean="0"/>
           </a:p>
           <a:p>
             <a:pPr algn="ctr"/>
@@ -7435,11 +7549,11 @@
   <p:clrMapOvr>
     <a:masterClrMapping/>
   </p:clrMapOvr>
-  <mc:AlternateContent xmlns:mc="http://schemas.openxmlformats.org/markup-compatibility/2006">
-    <mc:Choice xmlns:p14="http://schemas.microsoft.com/office/powerpoint/2010/main" Requires="p14">
+  <mc:AlternateContent xmlns:mc="http://schemas.openxmlformats.org/markup-compatibility/2006" xmlns:p14="http://schemas.microsoft.com/office/powerpoint/2010/main">
+    <mc:Choice Requires="p14">
       <p:transition p14:dur="0"/>
     </mc:Choice>
-    <mc:Fallback>
+    <mc:Fallback xmlns="">
       <p:transition/>
     </mc:Fallback>
   </mc:AlternateContent>
@@ -7567,14 +7681,14 @@
       </p:sp>
       <p:pic>
         <p:nvPicPr>
-          <p:cNvPr id="1027" name="Picture 3" descr="C:\Users\James\workspaceLuna\sed_projekt\doc\task02\Scrumrum.png"/>
+          <p:cNvPr id="1028" name="Picture 4" descr="C:\Users\James\Desktop\2000px-Scrum_process.svg.png"/>
           <p:cNvPicPr>
             <a:picLocks noChangeAspect="1" noChangeArrowheads="1"/>
           </p:cNvPicPr>
           <p:nvPr/>
         </p:nvPicPr>
         <p:blipFill>
-          <a:blip r:embed="rId3">
+          <a:blip r:embed="rId2">
             <a:extLst>
               <a:ext uri="{28A0092B-C50C-407E-A947-70E740481C1C}">
                 <a14:useLocalDpi xmlns:a14="http://schemas.microsoft.com/office/drawing/2010/main" val="0"/>
@@ -7588,8 +7702,8 @@
         </p:blipFill>
         <p:spPr bwMode="auto">
           <a:xfrm>
-            <a:off x="1269876" y="332656"/>
-            <a:ext cx="9144000" cy="6858000"/>
+            <a:off x="621804" y="692696"/>
+            <a:ext cx="10666040" cy="5333020"/>
           </a:xfrm>
           <a:prstGeom prst="rect">
             <a:avLst/>
@@ -7609,18 +7723,18 @@
     </p:spTree>
     <p:extLst>
       <p:ext uri="{BB962C8B-B14F-4D97-AF65-F5344CB8AC3E}">
-        <p14:creationId xmlns:p14="http://schemas.microsoft.com/office/powerpoint/2010/main" val="1670226189"/>
+        <p14:creationId xmlns:p14="http://schemas.microsoft.com/office/powerpoint/2010/main" val="3970007030"/>
       </p:ext>
     </p:extLst>
   </p:cSld>
   <p:clrMapOvr>
     <a:masterClrMapping/>
   </p:clrMapOvr>
-  <mc:AlternateContent xmlns:mc="http://schemas.openxmlformats.org/markup-compatibility/2006">
-    <mc:Choice xmlns:p14="http://schemas.microsoft.com/office/powerpoint/2010/main" Requires="p14">
+  <mc:AlternateContent xmlns:mc="http://schemas.openxmlformats.org/markup-compatibility/2006" xmlns:p14="http://schemas.microsoft.com/office/powerpoint/2010/main">
+    <mc:Choice Requires="p14">
       <p:transition p14:dur="0"/>
     </mc:Choice>
-    <mc:Fallback>
+    <mc:Fallback xmlns="">
       <p:transition/>
     </mc:Fallback>
   </mc:AlternateContent>
@@ -7653,7 +7767,7 @@
       </p:grpSpPr>
       <p:sp>
         <p:nvSpPr>
-          <p:cNvPr id="2" name="Title 1"/>
+          <p:cNvPr id="2" name="Titel 1"/>
           <p:cNvSpPr>
             <a:spLocks noGrp="1"/>
           </p:cNvSpPr>
@@ -7662,174 +7776,146 @@
           </p:nvPr>
         </p:nvSpPr>
         <p:spPr/>
-        <p:txBody>
-          <a:bodyPr>
-            <a:normAutofit/>
-          </a:bodyPr>
-          <a:lstStyle/>
-          <a:p>
-            <a:r>
-              <a:rPr lang="en-US" sz="3200" dirty="0" err="1" smtClean="0"/>
-              <a:t>Planung</a:t>
-            </a:r>
-            <a:endParaRPr lang="en-US" sz="3200" dirty="0"/>
-          </a:p>
-        </p:txBody>
-      </p:sp>
-      <p:sp>
-        <p:nvSpPr>
-          <p:cNvPr id="3" name="Text Placeholder 2"/>
-          <p:cNvSpPr>
-            <a:spLocks noGrp="1"/>
-          </p:cNvSpPr>
-          <p:nvPr>
-            <p:ph type="body" idx="1"/>
-          </p:nvPr>
-        </p:nvSpPr>
-        <p:spPr>
-          <a:xfrm>
-            <a:off x="914161" y="1803400"/>
-            <a:ext cx="10360501" cy="4649936"/>
-          </a:xfrm>
-        </p:spPr>
         <p:txBody>
           <a:bodyPr/>
           <a:lstStyle/>
           <a:p>
-            <a:r>
-              <a:rPr lang="en-US" dirty="0" err="1" smtClean="0"/>
-              <a:t>Kunde</a:t>
-            </a:r>
-            <a:r>
-              <a:rPr lang="en-US" dirty="0" smtClean="0"/>
-              <a:t> und Team </a:t>
-            </a:r>
-            <a:r>
-              <a:rPr lang="en-US" dirty="0" err="1" smtClean="0"/>
-              <a:t>definiert</a:t>
-            </a:r>
-            <a:r>
-              <a:rPr lang="en-US" dirty="0" smtClean="0"/>
-              <a:t> Iteration</a:t>
-            </a:r>
-            <a:br>
-              <a:rPr lang="en-US" dirty="0" smtClean="0"/>
-            </a:br>
-            <a:r>
-              <a:rPr lang="en-US" b="1" dirty="0" err="1" smtClean="0"/>
-              <a:t>Ziele</a:t>
-            </a:r>
-            <a:r>
-              <a:rPr lang="en-US" dirty="0" smtClean="0"/>
-              <a:t/>
-            </a:r>
-            <a:br>
-              <a:rPr lang="en-US" dirty="0" smtClean="0"/>
-            </a:br>
-            <a:r>
-              <a:rPr lang="en-US" dirty="0" err="1" smtClean="0"/>
-              <a:t>Ziele</a:t>
-            </a:r>
-            <a:r>
-              <a:rPr lang="en-US" dirty="0" smtClean="0"/>
-              <a:t> </a:t>
-            </a:r>
-            <a:r>
-              <a:rPr lang="en-US" dirty="0" err="1" smtClean="0"/>
-              <a:t>für</a:t>
-            </a:r>
-            <a:r>
-              <a:rPr lang="en-US" dirty="0" smtClean="0"/>
-              <a:t> Iteration </a:t>
-            </a:r>
-            <a:r>
-              <a:rPr lang="en-US" dirty="0" err="1" smtClean="0"/>
-              <a:t>definiert</a:t>
-            </a:r>
-            <a:endParaRPr lang="en-US" dirty="0" smtClean="0"/>
-          </a:p>
-          <a:p>
-            <a:r>
-              <a:rPr lang="en-US" b="1" dirty="0" err="1" smtClean="0"/>
-              <a:t>Akteure</a:t>
-            </a:r>
-            <a:endParaRPr lang="en-US" b="1" dirty="0" smtClean="0"/>
-          </a:p>
-          <a:p>
-            <a:pPr marL="457200" indent="-457200">
-              <a:buFontTx/>
-              <a:buChar char="-"/>
-            </a:pPr>
-            <a:r>
-              <a:rPr lang="en-US" dirty="0" err="1" smtClean="0"/>
-              <a:t>Kunde</a:t>
-            </a:r>
-            <a:endParaRPr lang="en-US" dirty="0" smtClean="0"/>
-          </a:p>
-          <a:p>
-            <a:pPr marL="457200" indent="-457200">
-              <a:buFontTx/>
-              <a:buChar char="-"/>
-            </a:pPr>
-            <a:r>
-              <a:rPr lang="en-US" dirty="0" smtClean="0"/>
-              <a:t>Team</a:t>
-            </a:r>
-          </a:p>
-          <a:p>
-            <a:r>
-              <a:rPr lang="en-US" dirty="0" smtClean="0"/>
-              <a:t/>
-            </a:r>
-            <a:br>
-              <a:rPr lang="en-US" dirty="0" smtClean="0"/>
-            </a:br>
-            <a:r>
-              <a:rPr lang="en-US" b="1" dirty="0" err="1" smtClean="0"/>
-              <a:t>Wichtigste</a:t>
-            </a:r>
-            <a:r>
-              <a:rPr lang="en-US" b="1" dirty="0" smtClean="0"/>
-              <a:t> </a:t>
-            </a:r>
-            <a:r>
-              <a:rPr lang="en-US" b="1" dirty="0" err="1" smtClean="0"/>
-              <a:t>Artefakte</a:t>
-            </a:r>
-            <a:r>
-              <a:rPr lang="en-US" b="1" dirty="0" smtClean="0"/>
-              <a:t/>
-            </a:r>
-            <a:br>
-              <a:rPr lang="en-US" b="1" dirty="0" smtClean="0"/>
-            </a:br>
-            <a:r>
-              <a:rPr lang="en-US" b="1" dirty="0" smtClean="0"/>
-              <a:t>- </a:t>
-            </a:r>
-            <a:r>
-              <a:rPr lang="en-US" dirty="0" smtClean="0"/>
-              <a:t>Backlog</a:t>
-            </a:r>
-            <a:endParaRPr lang="en-US" b="1" dirty="0"/>
-          </a:p>
-        </p:txBody>
-      </p:sp>
+            <a:endParaRPr lang="de-CH"/>
+          </a:p>
+        </p:txBody>
+      </p:sp>
+      <p:sp>
+        <p:nvSpPr>
+          <p:cNvPr id="3" name="Textplatzhalter 2"/>
+          <p:cNvSpPr>
+            <a:spLocks noGrp="1"/>
+          </p:cNvSpPr>
+          <p:nvPr>
+            <p:ph type="body" idx="1"/>
+          </p:nvPr>
+        </p:nvSpPr>
+        <p:spPr/>
+        <p:txBody>
+          <a:bodyPr/>
+          <a:lstStyle/>
+          <a:p>
+            <a:endParaRPr lang="de-CH"/>
+          </a:p>
+        </p:txBody>
+      </p:sp>
+      <p:sp>
+        <p:nvSpPr>
+          <p:cNvPr id="4" name="Inhaltsplatzhalter 3"/>
+          <p:cNvSpPr>
+            <a:spLocks noGrp="1"/>
+          </p:cNvSpPr>
+          <p:nvPr>
+            <p:ph sz="half" idx="2"/>
+          </p:nvPr>
+        </p:nvSpPr>
+        <p:spPr/>
+        <p:txBody>
+          <a:bodyPr/>
+          <a:lstStyle/>
+          <a:p>
+            <a:endParaRPr lang="de-CH"/>
+          </a:p>
+        </p:txBody>
+      </p:sp>
+      <p:sp>
+        <p:nvSpPr>
+          <p:cNvPr id="5" name="Textplatzhalter 4"/>
+          <p:cNvSpPr>
+            <a:spLocks noGrp="1"/>
+          </p:cNvSpPr>
+          <p:nvPr>
+            <p:ph type="body" sz="quarter" idx="3"/>
+          </p:nvPr>
+        </p:nvSpPr>
+        <p:spPr/>
+        <p:txBody>
+          <a:bodyPr/>
+          <a:lstStyle/>
+          <a:p>
+            <a:endParaRPr lang="de-CH" dirty="0"/>
+          </a:p>
+        </p:txBody>
+      </p:sp>
+      <p:sp>
+        <p:nvSpPr>
+          <p:cNvPr id="6" name="Inhaltsplatzhalter 5"/>
+          <p:cNvSpPr>
+            <a:spLocks noGrp="1"/>
+          </p:cNvSpPr>
+          <p:nvPr>
+            <p:ph sz="quarter" idx="4"/>
+          </p:nvPr>
+        </p:nvSpPr>
+        <p:spPr/>
+        <p:txBody>
+          <a:bodyPr/>
+          <a:lstStyle/>
+          <a:p>
+            <a:endParaRPr lang="de-CH" dirty="0"/>
+          </a:p>
+        </p:txBody>
+      </p:sp>
+      <p:pic>
+        <p:nvPicPr>
+          <p:cNvPr id="1027" name="Picture 3" descr="C:\Users\James\workspaceLuna\sed_projekt\doc\task02\Scrumrum.png"/>
+          <p:cNvPicPr>
+            <a:picLocks noChangeAspect="1" noChangeArrowheads="1"/>
+          </p:cNvPicPr>
+          <p:nvPr/>
+        </p:nvPicPr>
+        <p:blipFill>
+          <a:blip r:embed="rId3">
+            <a:extLst>
+              <a:ext uri="{28A0092B-C50C-407E-A947-70E740481C1C}">
+                <a14:useLocalDpi xmlns:a14="http://schemas.microsoft.com/office/drawing/2010/main" val="0"/>
+              </a:ext>
+            </a:extLst>
+          </a:blip>
+          <a:srcRect/>
+          <a:stretch>
+            <a:fillRect/>
+          </a:stretch>
+        </p:blipFill>
+        <p:spPr bwMode="auto">
+          <a:xfrm>
+            <a:off x="1342900" y="332656"/>
+            <a:ext cx="9144000" cy="6858000"/>
+          </a:xfrm>
+          <a:prstGeom prst="rect">
+            <a:avLst/>
+          </a:prstGeom>
+          <a:noFill/>
+          <a:extLst>
+            <a:ext uri="{909E8E84-426E-40DD-AFC4-6F175D3DCCD1}">
+              <a14:hiddenFill xmlns:a14="http://schemas.microsoft.com/office/drawing/2010/main">
+                <a:solidFill>
+                  <a:srgbClr val="FFFFFF"/>
+                </a:solidFill>
+              </a14:hiddenFill>
+            </a:ext>
+          </a:extLst>
+        </p:spPr>
+      </p:pic>
     </p:spTree>
     <p:extLst>
       <p:ext uri="{BB962C8B-B14F-4D97-AF65-F5344CB8AC3E}">
-        <p14:creationId xmlns:p14="http://schemas.microsoft.com/office/powerpoint/2010/main" val="1481731119"/>
+        <p14:creationId xmlns:p14="http://schemas.microsoft.com/office/powerpoint/2010/main" val="1670226189"/>
       </p:ext>
     </p:extLst>
   </p:cSld>
   <p:clrMapOvr>
     <a:masterClrMapping/>
   </p:clrMapOvr>
-  <mc:AlternateContent xmlns:mc="http://schemas.openxmlformats.org/markup-compatibility/2006">
-    <mc:Choice xmlns:p14="http://schemas.microsoft.com/office/powerpoint/2010/main" Requires="p14">
+  <mc:AlternateContent xmlns:mc="http://schemas.openxmlformats.org/markup-compatibility/2006" xmlns:p14="http://schemas.microsoft.com/office/powerpoint/2010/main">
+    <mc:Choice Requires="p14">
       <p:transition p14:dur="0"/>
     </mc:Choice>
-    <mc:Fallback>
+    <mc:Fallback xmlns="">
       <p:transition/>
     </mc:Fallback>
   </mc:AlternateContent>
@@ -7878,12 +7964,8 @@
           <a:lstStyle/>
           <a:p>
             <a:r>
-              <a:rPr lang="en-US" sz="3200" dirty="0" smtClean="0"/>
-              <a:t>Design / </a:t>
-            </a:r>
-            <a:r>
               <a:rPr lang="en-US" sz="3200" dirty="0" err="1" smtClean="0"/>
-              <a:t>Entwicklung</a:t>
+              <a:t>Planung</a:t>
             </a:r>
             <a:endParaRPr lang="en-US" sz="3200" dirty="0"/>
           </a:p>
@@ -7910,32 +7992,66 @@
           <a:lstStyle/>
           <a:p>
             <a:r>
+              <a:rPr lang="en-US" dirty="0" err="1" smtClean="0"/>
+              <a:t>Kunde</a:t>
+            </a:r>
+            <a:r>
               <a:rPr lang="en-US" dirty="0" smtClean="0"/>
-              <a:t>User </a:t>
+              <a:t> und Team </a:t>
+            </a:r>
+            <a:r>
+              <a:rPr lang="en-US" dirty="0" err="1" smtClean="0"/>
+              <a:t>definiert</a:t>
             </a:r>
             <a:r>
               <a:rPr lang="en-US" dirty="0" smtClean="0"/>
-              <a:t>Stories / Tasks </a:t>
-            </a:r>
+              <a:t> </a:t>
+            </a:r>
+            <a:r>
+              <a:rPr lang="en-US" dirty="0" smtClean="0"/>
+              <a:t>Iteration</a:t>
+            </a:r>
+          </a:p>
+          <a:p>
+            <a:r>
+              <a:rPr lang="en-US" dirty="0" smtClean="0"/>
+              <a:t/>
+            </a:r>
+            <a:br>
+              <a:rPr lang="en-US" dirty="0" smtClean="0"/>
+            </a:br>
+            <a:r>
+              <a:rPr lang="en-US" b="1" dirty="0" err="1" smtClean="0"/>
+              <a:t>Ziele</a:t>
+            </a:r>
+            <a:r>
+              <a:rPr lang="en-US" dirty="0" smtClean="0"/>
+              <a:t/>
+            </a:r>
+            <a:br>
+              <a:rPr lang="en-US" dirty="0" smtClean="0"/>
+            </a:br>
             <a:r>
               <a:rPr lang="en-US" dirty="0" err="1" smtClean="0"/>
-              <a:t>definieren</a:t>
-            </a:r>
-            <a:endParaRPr lang="en-US" dirty="0"/>
-          </a:p>
-          <a:p>
+              <a:t>Ziele</a:t>
+            </a:r>
             <a:r>
               <a:rPr lang="en-US" dirty="0" smtClean="0"/>
-              <a:t>1x pro </a:t>
+              <a:t> </a:t>
             </a:r>
             <a:r>
               <a:rPr lang="en-US" dirty="0" err="1" smtClean="0"/>
-              <a:t>Woche</a:t>
+              <a:t>für</a:t>
             </a:r>
             <a:r>
               <a:rPr lang="en-US" dirty="0" smtClean="0"/>
-              <a:t> Meeting </a:t>
-            </a:r>
+              <a:t> Iteration </a:t>
+            </a:r>
+            <a:r>
+              <a:rPr lang="en-US" dirty="0" err="1" smtClean="0"/>
+              <a:t>definiert</a:t>
+            </a:r>
+            <a:endParaRPr lang="en-US" dirty="0" smtClean="0"/>
           </a:p>
           <a:p>
             <a:endParaRPr lang="en-US" dirty="0" smtClean="0"/>
@@ -7945,7 +8061,7 @@
               <a:rPr lang="en-US" b="1" dirty="0" err="1" smtClean="0"/>
               <a:t>Akteure</a:t>
             </a:r>
-            <a:endParaRPr lang="en-US" dirty="0" smtClean="0"/>
+            <a:endParaRPr lang="en-US" b="1" dirty="0" smtClean="0"/>
           </a:p>
           <a:p>
             <a:pPr marL="457200" indent="-457200">
@@ -7953,9 +8069,10 @@
               <a:buChar char="-"/>
             </a:pPr>
             <a:r>
-              <a:rPr lang="en-US" dirty="0" smtClean="0"/>
-              <a:t>Team</a:t>
-            </a:r>
+              <a:rPr lang="en-US" dirty="0" err="1" smtClean="0"/>
+              <a:t>Kunde</a:t>
+            </a:r>
+            <a:endParaRPr lang="en-US" dirty="0" smtClean="0"/>
           </a:p>
           <a:p>
             <a:pPr marL="457200" indent="-457200">
@@ -7963,32 +8080,9 @@
               <a:buChar char="-"/>
             </a:pPr>
             <a:r>
-              <a:rPr lang="en-US" dirty="0" err="1" smtClean="0"/>
-              <a:t>Kunde</a:t>
-            </a:r>
-            <a:endParaRPr lang="en-US" dirty="0" smtClean="0"/>
-          </a:p>
-          <a:p>
-            <a:r>
-              <a:rPr lang="en-US" b="1" dirty="0" err="1" smtClean="0"/>
-              <a:t>Ziele</a:t>
-            </a:r>
-            <a:endParaRPr lang="en-US" b="1" dirty="0" smtClean="0"/>
-          </a:p>
-          <a:p>
-            <a:r>
-              <a:rPr lang="en-US" dirty="0" err="1" smtClean="0"/>
-              <a:t>Lauffähiges</a:t>
-            </a:r>
-            <a:r>
               <a:rPr lang="en-US" dirty="0" smtClean="0"/>
-              <a:t> </a:t>
-            </a:r>
-            <a:r>
-              <a:rPr lang="en-US" dirty="0" err="1" smtClean="0"/>
-              <a:t>Programm</a:t>
-            </a:r>
-            <a:endParaRPr lang="en-US" dirty="0" smtClean="0"/>
+              <a:t>Team</a:t>
+            </a:r>
           </a:p>
           <a:p>
             <a:r>
@@ -8003,7 +8097,7 @@
               <a:t>Wichtigste</a:t>
             </a:r>
             <a:r>
-              <a:rPr lang="en-US" dirty="0" smtClean="0"/>
+              <a:rPr lang="en-US" b="1" dirty="0" smtClean="0"/>
               <a:t> </a:t>
             </a:r>
             <a:r>
@@ -8022,27 +8116,8 @@
               <a:t>- </a:t>
             </a:r>
             <a:r>
-              <a:rPr lang="en-US" dirty="0" err="1" smtClean="0"/>
-              <a:t>Lauffähiges</a:t>
-            </a:r>
-            <a:r>
               <a:rPr lang="en-US" dirty="0" smtClean="0"/>
-              <a:t> </a:t>
-            </a:r>
-            <a:r>
-              <a:rPr lang="en-US" dirty="0" err="1" smtClean="0"/>
-              <a:t>Programm</a:t>
-            </a:r>
-            <a:endParaRPr lang="en-US" dirty="0" smtClean="0"/>
-          </a:p>
-          <a:p>
-            <a:r>
-              <a:rPr lang="en-US" b="1" dirty="0" smtClean="0"/>
-              <a:t>- </a:t>
-            </a:r>
-            <a:r>
-              <a:rPr lang="en-US" dirty="0" smtClean="0"/>
-              <a:t>Tasks / User Stories</a:t>
+              <a:t>Backlog</a:t>
             </a:r>
             <a:endParaRPr lang="en-US" b="1" dirty="0"/>
           </a:p>
@@ -8051,18 +8126,18 @@
     </p:spTree>
     <p:extLst>
       <p:ext uri="{BB962C8B-B14F-4D97-AF65-F5344CB8AC3E}">
-        <p14:creationId xmlns:p14="http://schemas.microsoft.com/office/powerpoint/2010/main" val="1101737685"/>
+        <p14:creationId xmlns:p14="http://schemas.microsoft.com/office/powerpoint/2010/main" val="1481731119"/>
       </p:ext>
     </p:extLst>
   </p:cSld>
   <p:clrMapOvr>
     <a:masterClrMapping/>
   </p:clrMapOvr>
-  <mc:AlternateContent xmlns:mc="http://schemas.openxmlformats.org/markup-compatibility/2006">
-    <mc:Choice xmlns:p14="http://schemas.microsoft.com/office/powerpoint/2010/main" Requires="p14">
+  <mc:AlternateContent xmlns:mc="http://schemas.openxmlformats.org/markup-compatibility/2006" xmlns:p14="http://schemas.microsoft.com/office/powerpoint/2010/main">
+    <mc:Choice Requires="p14">
       <p:transition p14:dur="0"/>
     </mc:Choice>
-    <mc:Fallback>
+    <mc:Fallback xmlns="">
       <p:transition/>
     </mc:Fallback>
   </mc:AlternateContent>
@@ -8111,8 +8186,12 @@
           <a:lstStyle/>
           <a:p>
             <a:r>
+              <a:rPr lang="en-US" sz="3200" dirty="0" smtClean="0"/>
+              <a:t>Design / </a:t>
+            </a:r>
+            <a:r>
               <a:rPr lang="en-US" sz="3200" dirty="0" err="1" smtClean="0"/>
-              <a:t>Testen</a:t>
+              <a:t>Entwicklung</a:t>
             </a:r>
             <a:endParaRPr lang="en-US" sz="3200" dirty="0"/>
           </a:p>
@@ -8140,27 +8219,12 @@
           <a:p>
             <a:r>
               <a:rPr lang="en-US" dirty="0" smtClean="0"/>
-              <a:t>User </a:t>
+              <a:t>User Stories / Tasks </a:t>
             </a:r>
             <a:r>
               <a:rPr lang="en-US" dirty="0" err="1" smtClean="0"/>
-              <a:t>testen</a:t>
-            </a:r>
-            <a:r>
-              <a:rPr lang="en-US" dirty="0" smtClean="0"/>
-              <a:t> System, </a:t>
-            </a:r>
-            <a:r>
-              <a:rPr lang="en-US" dirty="0" err="1" smtClean="0"/>
-              <a:t>geben</a:t>
-            </a:r>
-            <a:r>
-              <a:rPr lang="en-US" dirty="0" smtClean="0"/>
-              <a:t> Feedback</a:t>
-            </a:r>
-            <a:endParaRPr lang="en-US" dirty="0" smtClean="0"/>
-          </a:p>
-          <a:p>
+              <a:t>definieren</a:t>
+            </a:r>
             <a:endParaRPr lang="en-US" dirty="0"/>
           </a:p>
           <a:p>
@@ -8176,27 +8240,34 @@
               <a:rPr lang="en-US" dirty="0" smtClean="0"/>
               <a:t> Meeting </a:t>
             </a:r>
-          </a:p>
-          <a:p>
-            <a:r>
-              <a:rPr lang="en-US" b="1" dirty="0" err="1" smtClean="0"/>
+            <a:endParaRPr lang="en-US" dirty="0" smtClean="0"/>
+          </a:p>
+          <a:p>
+            <a:endParaRPr lang="en-US" dirty="0" smtClean="0"/>
+          </a:p>
+          <a:p>
+            <a:r>
+              <a:rPr lang="en-US" b="1" dirty="0" err="1"/>
               <a:t>Ziele</a:t>
             </a:r>
-            <a:endParaRPr lang="en-US" b="1" dirty="0" smtClean="0"/>
-          </a:p>
-          <a:p>
-            <a:r>
-              <a:rPr lang="en-US" dirty="0" smtClean="0"/>
-              <a:t>- </a:t>
-            </a:r>
-            <a:r>
-              <a:rPr lang="en-US" dirty="0" err="1" smtClean="0"/>
-              <a:t>Fehlerfindung</a:t>
-            </a:r>
-            <a:r>
-              <a:rPr lang="en-US" dirty="0" smtClean="0"/>
-              <a:t>/ User Feedback</a:t>
-            </a:r>
+            <a:endParaRPr lang="en-US" b="1" dirty="0"/>
+          </a:p>
+          <a:p>
+            <a:r>
+              <a:rPr lang="en-US" dirty="0" err="1"/>
+              <a:t>Lauffähiges</a:t>
+            </a:r>
+            <a:r>
+              <a:rPr lang="en-US" dirty="0"/>
+              <a:t> </a:t>
+            </a:r>
+            <a:r>
+              <a:rPr lang="en-US" dirty="0" err="1"/>
+              <a:t>Programm</a:t>
+            </a:r>
+            <a:endParaRPr lang="en-US" dirty="0"/>
+          </a:p>
+          <a:p>
             <a:endParaRPr lang="en-US" dirty="0" smtClean="0"/>
           </a:p>
           <a:p>
@@ -8228,24 +8299,6 @@
             <a:endParaRPr lang="en-US" dirty="0" smtClean="0"/>
           </a:p>
           <a:p>
-            <a:pPr marL="457200" indent="-457200">
-              <a:buFontTx/>
-              <a:buChar char="-"/>
-            </a:pPr>
-            <a:r>
-              <a:rPr lang="en-US" dirty="0" smtClean="0"/>
-              <a:t>Users (Medical Staff, </a:t>
-            </a:r>
-            <a:r>
-              <a:rPr lang="en-US" dirty="0" err="1" smtClean="0"/>
-              <a:t>Receptionist,ect</a:t>
-            </a:r>
-            <a:r>
-              <a:rPr lang="en-US" dirty="0" smtClean="0"/>
-              <a:t>)</a:t>
-            </a:r>
-          </a:p>
-          <a:p>
             <a:r>
               <a:rPr lang="en-US" dirty="0" smtClean="0"/>
               <a:t/>
@@ -8273,18 +8326,31 @@
               <a:rPr lang="en-US" b="1" dirty="0" smtClean="0"/>
             </a:br>
             <a:r>
-              <a:rPr lang="en-US" dirty="0" smtClean="0"/>
-              <a:t>- Feedback User</a:t>
-            </a:r>
-          </a:p>
-          <a:p>
-            <a:r>
               <a:rPr lang="en-US" b="1" dirty="0" smtClean="0"/>
               <a:t>- </a:t>
             </a:r>
             <a:r>
               <a:rPr lang="en-US" dirty="0" err="1" smtClean="0"/>
-              <a:t>Testbericht</a:t>
+              <a:t>Lauffähiges</a:t>
+            </a:r>
+            <a:r>
+              <a:rPr lang="en-US" dirty="0" smtClean="0"/>
+              <a:t> </a:t>
+            </a:r>
+            <a:r>
+              <a:rPr lang="en-US" dirty="0" err="1" smtClean="0"/>
+              <a:t>Programm</a:t>
+            </a:r>
+            <a:endParaRPr lang="en-US" dirty="0" smtClean="0"/>
+          </a:p>
+          <a:p>
+            <a:r>
+              <a:rPr lang="en-US" b="1" dirty="0" smtClean="0"/>
+              <a:t>- </a:t>
+            </a:r>
+            <a:r>
+              <a:rPr lang="en-US" dirty="0" smtClean="0"/>
+              <a:t>Tasks / User Stories</a:t>
             </a:r>
             <a:endParaRPr lang="en-US" b="1" dirty="0"/>
           </a:p>
@@ -8293,18 +8359,18 @@
     </p:spTree>
     <p:extLst>
       <p:ext uri="{BB962C8B-B14F-4D97-AF65-F5344CB8AC3E}">
-        <p14:creationId xmlns:p14="http://schemas.microsoft.com/office/powerpoint/2010/main" val="566698918"/>
+        <p14:creationId xmlns:p14="http://schemas.microsoft.com/office/powerpoint/2010/main" val="1101737685"/>
       </p:ext>
     </p:extLst>
   </p:cSld>
   <p:clrMapOvr>
     <a:masterClrMapping/>
   </p:clrMapOvr>
-  <mc:AlternateContent xmlns:mc="http://schemas.openxmlformats.org/markup-compatibility/2006">
-    <mc:Choice xmlns:p14="http://schemas.microsoft.com/office/powerpoint/2010/main" Requires="p14">
+  <mc:AlternateContent xmlns:mc="http://schemas.openxmlformats.org/markup-compatibility/2006" xmlns:p14="http://schemas.microsoft.com/office/powerpoint/2010/main">
+    <mc:Choice Requires="p14">
       <p:transition p14:dur="0"/>
     </mc:Choice>
-    <mc:Fallback>
+    <mc:Fallback xmlns="">
       <p:transition/>
     </mc:Fallback>
   </mc:AlternateContent>
@@ -8354,7 +8420,7 @@
           <a:p>
             <a:r>
               <a:rPr lang="en-US" sz="3200" dirty="0" err="1" smtClean="0"/>
-              <a:t>FRagen</a:t>
+              <a:t>Testen</a:t>
             </a:r>
             <a:endParaRPr lang="en-US" sz="3200" dirty="0"/>
           </a:p>
@@ -8372,38 +8438,189 @@
         </p:nvSpPr>
         <p:spPr>
           <a:xfrm>
-            <a:off x="914161" y="1803400"/>
-            <a:ext cx="10360501" cy="4649936"/>
+            <a:off x="837828" y="1844824"/>
+            <a:ext cx="10436835" cy="4608512"/>
           </a:xfrm>
         </p:spPr>
         <p:txBody>
           <a:bodyPr/>
           <a:lstStyle/>
           <a:p>
-            <a:pPr algn="ctr"/>
-            <a:r>
-              <a:rPr lang="en-US" sz="20000" b="1" dirty="0" smtClean="0"/>
-              <a:t>?</a:t>
-            </a:r>
-            <a:endParaRPr lang="en-US" sz="20000" b="1" dirty="0"/>
+            <a:r>
+              <a:rPr lang="en-US" dirty="0" smtClean="0"/>
+              <a:t>User </a:t>
+            </a:r>
+            <a:r>
+              <a:rPr lang="en-US" dirty="0" err="1" smtClean="0"/>
+              <a:t>testen</a:t>
+            </a:r>
+            <a:r>
+              <a:rPr lang="en-US" dirty="0" smtClean="0"/>
+              <a:t> System, </a:t>
+            </a:r>
+            <a:r>
+              <a:rPr lang="en-US" dirty="0" err="1" smtClean="0"/>
+              <a:t>geben</a:t>
+            </a:r>
+            <a:r>
+              <a:rPr lang="en-US" dirty="0" smtClean="0"/>
+              <a:t> Feedback</a:t>
+            </a:r>
+          </a:p>
+          <a:p>
+            <a:endParaRPr lang="en-US" dirty="0" smtClean="0"/>
+          </a:p>
+          <a:p>
+            <a:r>
+              <a:rPr lang="en-US" b="1" dirty="0" err="1" smtClean="0"/>
+              <a:t>Ziele</a:t>
+            </a:r>
+            <a:endParaRPr lang="en-US" b="1" dirty="0" smtClean="0"/>
+          </a:p>
+          <a:p>
+            <a:r>
+              <a:rPr lang="en-US" dirty="0" smtClean="0"/>
+              <a:t>- </a:t>
+            </a:r>
+            <a:r>
+              <a:rPr lang="en-US" dirty="0" err="1" smtClean="0"/>
+              <a:t>Fehlerfindung</a:t>
+            </a:r>
+            <a:r>
+              <a:rPr lang="en-US" dirty="0" smtClean="0"/>
+              <a:t>/ User </a:t>
+            </a:r>
+            <a:r>
+              <a:rPr lang="en-US" dirty="0" smtClean="0"/>
+              <a:t>Feedback</a:t>
+            </a:r>
+            <a:br>
+              <a:rPr lang="en-US" dirty="0" smtClean="0"/>
+            </a:br>
+            <a:r>
+              <a:rPr lang="en-US" dirty="0" smtClean="0"/>
+              <a:t>- Backlog </a:t>
+            </a:r>
+            <a:r>
+              <a:rPr lang="en-US" dirty="0" err="1" smtClean="0"/>
+              <a:t>aktualisieren</a:t>
+            </a:r>
+            <a:endParaRPr lang="en-US" dirty="0" smtClean="0"/>
+          </a:p>
+          <a:p>
+            <a:r>
+              <a:rPr lang="en-US" b="1" dirty="0" err="1" smtClean="0"/>
+              <a:t>Akteure</a:t>
+            </a:r>
+            <a:endParaRPr lang="en-US" dirty="0" smtClean="0"/>
+          </a:p>
+          <a:p>
+            <a:pPr marL="457200" indent="-457200">
+              <a:buFontTx/>
+              <a:buChar char="-"/>
+            </a:pPr>
+            <a:r>
+              <a:rPr lang="en-US" dirty="0" smtClean="0"/>
+              <a:t>Team</a:t>
+            </a:r>
+          </a:p>
+          <a:p>
+            <a:pPr marL="457200" indent="-457200">
+              <a:buFontTx/>
+              <a:buChar char="-"/>
+            </a:pPr>
+            <a:r>
+              <a:rPr lang="en-US" dirty="0" err="1" smtClean="0"/>
+              <a:t>Kunde</a:t>
+            </a:r>
+            <a:endParaRPr lang="en-US" dirty="0" smtClean="0"/>
+          </a:p>
+          <a:p>
+            <a:pPr marL="457200" indent="-457200">
+              <a:buFontTx/>
+              <a:buChar char="-"/>
+            </a:pPr>
+            <a:r>
+              <a:rPr lang="en-US" dirty="0" smtClean="0"/>
+              <a:t>Users (Medical Staff, </a:t>
+            </a:r>
+            <a:r>
+              <a:rPr lang="en-US" dirty="0" err="1" smtClean="0"/>
+              <a:t>Receptionist,Patienten</a:t>
+            </a:r>
+            <a:r>
+              <a:rPr lang="en-US" dirty="0" smtClean="0"/>
+              <a:t> </a:t>
+            </a:r>
+            <a:r>
+              <a:rPr lang="en-US" dirty="0" err="1" smtClean="0"/>
+              <a:t>ect</a:t>
+            </a:r>
+            <a:r>
+              <a:rPr lang="en-US" dirty="0" smtClean="0"/>
+              <a:t>)</a:t>
+            </a:r>
+          </a:p>
+          <a:p>
+            <a:r>
+              <a:rPr lang="en-US" dirty="0" smtClean="0"/>
+              <a:t/>
+            </a:r>
+            <a:br>
+              <a:rPr lang="en-US" dirty="0" smtClean="0"/>
+            </a:br>
+            <a:r>
+              <a:rPr lang="en-US" b="1" dirty="0" err="1" smtClean="0"/>
+              <a:t>Wichtigste</a:t>
+            </a:r>
+            <a:r>
+              <a:rPr lang="en-US" dirty="0" smtClean="0"/>
+              <a:t> </a:t>
+            </a:r>
+            <a:r>
+              <a:rPr lang="en-US" b="1" dirty="0" err="1" smtClean="0"/>
+              <a:t>Artefakte</a:t>
+            </a:r>
+            <a:r>
+              <a:rPr lang="en-US" b="1" dirty="0" smtClean="0"/>
+              <a:t/>
+            </a:r>
+            <a:br>
+              <a:rPr lang="en-US" b="1" dirty="0" smtClean="0"/>
+            </a:br>
+            <a:r>
+              <a:rPr lang="en-US" dirty="0" smtClean="0"/>
+              <a:t>- Feedback User</a:t>
+            </a:r>
+          </a:p>
+          <a:p>
+            <a:r>
+              <a:rPr lang="en-US" b="1" dirty="0" smtClean="0"/>
+              <a:t>- </a:t>
+            </a:r>
+            <a:r>
+              <a:rPr lang="en-US" dirty="0" err="1" smtClean="0"/>
+              <a:t>Testbericht</a:t>
+            </a:r>
+            <a:endParaRPr lang="en-US" b="1" dirty="0"/>
           </a:p>
         </p:txBody>
       </p:sp>
     </p:spTree>
     <p:extLst>
       <p:ext uri="{BB962C8B-B14F-4D97-AF65-F5344CB8AC3E}">
-        <p14:creationId xmlns:p14="http://schemas.microsoft.com/office/powerpoint/2010/main" val="3370553250"/>
+        <p14:creationId xmlns:p14="http://schemas.microsoft.com/office/powerpoint/2010/main" val="566698918"/>
       </p:ext>
     </p:extLst>
   </p:cSld>
   <p:clrMapOvr>
     <a:masterClrMapping/>
   </p:clrMapOvr>
-  <mc:AlternateContent xmlns:mc="http://schemas.openxmlformats.org/markup-compatibility/2006">
-    <mc:Choice xmlns:p14="http://schemas.microsoft.com/office/powerpoint/2010/main" Requires="p14">
+  <mc:AlternateContent xmlns:mc="http://schemas.openxmlformats.org/markup-compatibility/2006" xmlns:p14="http://schemas.microsoft.com/office/powerpoint/2010/main">
+    <mc:Choice Requires="p14">
       <p:transition p14:dur="0"/>
     </mc:Choice>
-    <mc:Fallback>
+    <mc:Fallback xmlns="">
       <p:transition/>
     </mc:Fallback>
   </mc:AlternateContent>

--- a/doc/task02/Task 2.pptx
+++ b/doc/task02/Task 2.pptx
@@ -121,7 +121,7 @@
   </p:defaultTextStyle>
   <p:extLst>
     <p:ext uri="{EFAFB233-063F-42B5-8137-9DF3F51BA10A}">
-      <p15:sldGuideLst xmlns:p15="http://schemas.microsoft.com/office/powerpoint/2012/main" xmlns="">
+      <p15:sldGuideLst xmlns="" xmlns:p15="http://schemas.microsoft.com/office/powerpoint/2012/main">
         <p15:guide id="1" orient="horz" pos="2160">
           <p15:clr>
             <a:srgbClr val="A4A3A4"/>
@@ -135,7 +135,7 @@
       </p15:sldGuideLst>
     </p:ext>
     <p:ext uri="{2D200454-40CA-4A62-9FC3-DE9A4176ACB9}">
-      <p15:notesGuideLst xmlns:p15="http://schemas.microsoft.com/office/powerpoint/2012/main" xmlns="">
+      <p15:notesGuideLst xmlns="" xmlns:p15="http://schemas.microsoft.com/office/powerpoint/2012/main">
         <p15:guide id="1" orient="horz" pos="2880">
           <p15:clr>
             <a:srgbClr val="A4A3A4"/>
@@ -1161,94 +1161,7 @@
           <a:bodyPr/>
           <a:lstStyle/>
           <a:p>
-            <a:r>
-              <a:rPr lang="en-US" dirty="0" err="1" smtClean="0"/>
-              <a:t>Übersicht</a:t>
-            </a:r>
-            <a:r>
-              <a:rPr lang="en-US" dirty="0" smtClean="0"/>
-              <a:t> des</a:t>
-            </a:r>
-            <a:r>
-              <a:rPr lang="en-US" baseline="0" dirty="0" smtClean="0"/>
-              <a:t> </a:t>
-            </a:r>
-            <a:r>
-              <a:rPr lang="en-US" baseline="0" dirty="0" err="1" smtClean="0"/>
-              <a:t>Prozessmodels</a:t>
-            </a:r>
-            <a:r>
-              <a:rPr lang="en-US" baseline="0" dirty="0" smtClean="0"/>
-              <a:t> (</a:t>
-            </a:r>
-            <a:r>
-              <a:rPr lang="en-US" baseline="0" dirty="0" err="1" smtClean="0"/>
-              <a:t>Vorgehen</a:t>
-            </a:r>
-            <a:r>
-              <a:rPr lang="en-US" baseline="0" dirty="0" smtClean="0"/>
-              <a:t> </a:t>
-            </a:r>
-            <a:r>
-              <a:rPr lang="en-US" baseline="0" dirty="0" err="1" smtClean="0"/>
-              <a:t>Iterativ</a:t>
-            </a:r>
-            <a:r>
-              <a:rPr lang="en-US" baseline="0" dirty="0" smtClean="0"/>
-              <a:t>, </a:t>
-            </a:r>
-            <a:r>
-              <a:rPr lang="en-US" baseline="0" dirty="0" err="1" smtClean="0"/>
-              <a:t>aber</a:t>
-            </a:r>
-            <a:r>
-              <a:rPr lang="en-US" baseline="0" dirty="0" smtClean="0"/>
-              <a:t> </a:t>
-            </a:r>
-            <a:r>
-              <a:rPr lang="en-US" baseline="0" dirty="0" err="1" smtClean="0"/>
-              <a:t>Iterationen</a:t>
-            </a:r>
-            <a:r>
-              <a:rPr lang="en-US" baseline="0" dirty="0" smtClean="0"/>
-              <a:t> </a:t>
-            </a:r>
-            <a:r>
-              <a:rPr lang="en-US" baseline="0" dirty="0" err="1" smtClean="0"/>
-              <a:t>länger</a:t>
-            </a:r>
-            <a:r>
-              <a:rPr lang="en-US" baseline="0" dirty="0" smtClean="0"/>
-              <a:t>)</a:t>
-            </a:r>
-          </a:p>
-          <a:p>
-            <a:endParaRPr lang="en-US" baseline="0" dirty="0" smtClean="0"/>
-          </a:p>
-          <a:p>
-            <a:r>
-              <a:rPr lang="en-US" baseline="0" dirty="0" smtClean="0"/>
-              <a:t>1x pro </a:t>
-            </a:r>
-            <a:r>
-              <a:rPr lang="en-US" baseline="0" dirty="0" err="1" smtClean="0"/>
-              <a:t>Woche</a:t>
-            </a:r>
-            <a:r>
-              <a:rPr lang="en-US" baseline="0" dirty="0" smtClean="0"/>
-              <a:t> </a:t>
-            </a:r>
-            <a:r>
-              <a:rPr lang="en-US" baseline="0" dirty="0" err="1" smtClean="0"/>
-              <a:t>Teammeeting</a:t>
-            </a:r>
-            <a:endParaRPr lang="en-US" baseline="0" dirty="0" smtClean="0"/>
-          </a:p>
-          <a:p>
-            <a:endParaRPr lang="en-US" baseline="0" dirty="0" smtClean="0"/>
-          </a:p>
-          <a:p>
-            <a:endParaRPr lang="en-US" baseline="0" dirty="0" smtClean="0"/>
+            <a:endParaRPr lang="de-CH" dirty="0"/>
           </a:p>
         </p:txBody>
       </p:sp>
@@ -1269,7 +1182,7 @@
           <a:p>
             <a:fld id="{9E11EC53-F507-411E-9ADC-FBCFECE09D3D}" type="slidenum">
               <a:rPr lang="de-CH" smtClean="0"/>
-              <a:t>6</a:t>
+              <a:t>5</a:t>
             </a:fld>
             <a:endParaRPr lang="de-CH"/>
           </a:p>
@@ -1278,7 +1191,7 @@
     </p:spTree>
     <p:extLst>
       <p:ext uri="{BB962C8B-B14F-4D97-AF65-F5344CB8AC3E}">
-        <p14:creationId xmlns:p14="http://schemas.microsoft.com/office/powerpoint/2010/main" val="929418976"/>
+        <p14:creationId xmlns:p14="http://schemas.microsoft.com/office/powerpoint/2010/main" val="136725151"/>
       </p:ext>
     </p:extLst>
   </p:cSld>
@@ -1334,7 +1247,11 @@
           <a:p>
             <a:r>
               <a:rPr lang="en-US" dirty="0" err="1" smtClean="0"/>
-              <a:t>Änderung</a:t>
+              <a:t>Übersicht</a:t>
+            </a:r>
+            <a:r>
+              <a:rPr lang="en-US" dirty="0" smtClean="0"/>
+              <a:t> des</a:t>
             </a:r>
             <a:r>
               <a:rPr lang="en-US" baseline="0" dirty="0" smtClean="0"/>
@@ -1342,7 +1259,15 @@
             </a:r>
             <a:r>
               <a:rPr lang="en-US" baseline="0" dirty="0" err="1" smtClean="0"/>
-              <a:t>aus</a:t>
+              <a:t>Prozessmodels</a:t>
+            </a:r>
+            <a:r>
+              <a:rPr lang="en-US" baseline="0" dirty="0" smtClean="0"/>
+              <a:t> (</a:t>
+            </a:r>
+            <a:r>
+              <a:rPr lang="en-US" baseline="0" dirty="0" err="1" smtClean="0"/>
+              <a:t>Vorgehen</a:t>
             </a:r>
             <a:r>
               <a:rPr lang="en-US" baseline="0" dirty="0" smtClean="0"/>
@@ -1350,7 +1275,15 @@
             </a:r>
             <a:r>
               <a:rPr lang="en-US" baseline="0" dirty="0" err="1" smtClean="0"/>
-              <a:t>anderen</a:t>
+              <a:t>Iterativ</a:t>
+            </a:r>
+            <a:r>
+              <a:rPr lang="en-US" baseline="0" dirty="0" smtClean="0"/>
+              <a:t>, </a:t>
+            </a:r>
+            <a:r>
+              <a:rPr lang="en-US" baseline="0" dirty="0" err="1" smtClean="0"/>
+              <a:t>aber</a:t>
             </a:r>
             <a:r>
               <a:rPr lang="en-US" baseline="0" dirty="0" smtClean="0"/>
@@ -1366,15 +1299,40 @@
             </a:r>
             <a:r>
               <a:rPr lang="en-US" baseline="0" dirty="0" err="1" smtClean="0"/>
-              <a:t>berücksichtigt</a:t>
+              <a:t>länger</a:t>
             </a:r>
             <a:r>
               <a:rPr lang="en-US" baseline="0" dirty="0" smtClean="0"/>
-              <a:t>.</a:t>
-            </a:r>
-          </a:p>
-          <a:p>
-            <a:endParaRPr lang="de-CH" dirty="0"/>
+              <a:t>)</a:t>
+            </a:r>
+          </a:p>
+          <a:p>
+            <a:endParaRPr lang="en-US" baseline="0" dirty="0" smtClean="0"/>
+          </a:p>
+          <a:p>
+            <a:r>
+              <a:rPr lang="en-US" baseline="0" dirty="0" smtClean="0"/>
+              <a:t>1x pro </a:t>
+            </a:r>
+            <a:r>
+              <a:rPr lang="en-US" baseline="0" dirty="0" err="1" smtClean="0"/>
+              <a:t>Woche</a:t>
+            </a:r>
+            <a:r>
+              <a:rPr lang="en-US" baseline="0" dirty="0" smtClean="0"/>
+              <a:t> </a:t>
+            </a:r>
+            <a:r>
+              <a:rPr lang="en-US" baseline="0" dirty="0" err="1" smtClean="0"/>
+              <a:t>Teammeeting</a:t>
+            </a:r>
+            <a:endParaRPr lang="en-US" baseline="0" dirty="0" smtClean="0"/>
+          </a:p>
+          <a:p>
+            <a:endParaRPr lang="en-US" baseline="0" dirty="0" smtClean="0"/>
+          </a:p>
+          <a:p>
+            <a:endParaRPr lang="en-US" baseline="0" dirty="0" smtClean="0"/>
           </a:p>
         </p:txBody>
       </p:sp>
@@ -1395,7 +1353,7 @@
           <a:p>
             <a:fld id="{9E11EC53-F507-411E-9ADC-FBCFECE09D3D}" type="slidenum">
               <a:rPr lang="de-CH" smtClean="0"/>
-              <a:t>7</a:t>
+              <a:t>6</a:t>
             </a:fld>
             <a:endParaRPr lang="de-CH"/>
           </a:p>
@@ -1404,7 +1362,7 @@
     </p:spTree>
     <p:extLst>
       <p:ext uri="{BB962C8B-B14F-4D97-AF65-F5344CB8AC3E}">
-        <p14:creationId xmlns:p14="http://schemas.microsoft.com/office/powerpoint/2010/main" val="3398317236"/>
+        <p14:creationId xmlns:p14="http://schemas.microsoft.com/office/powerpoint/2010/main" val="929418976"/>
       </p:ext>
     </p:extLst>
   </p:cSld>
@@ -1460,6 +1418,132 @@
           <a:p>
             <a:r>
               <a:rPr lang="en-US" dirty="0" err="1" smtClean="0"/>
+              <a:t>Änderung</a:t>
+            </a:r>
+            <a:r>
+              <a:rPr lang="en-US" baseline="0" dirty="0" smtClean="0"/>
+              <a:t> </a:t>
+            </a:r>
+            <a:r>
+              <a:rPr lang="en-US" baseline="0" dirty="0" err="1" smtClean="0"/>
+              <a:t>aus</a:t>
+            </a:r>
+            <a:r>
+              <a:rPr lang="en-US" baseline="0" dirty="0" smtClean="0"/>
+              <a:t> </a:t>
+            </a:r>
+            <a:r>
+              <a:rPr lang="en-US" baseline="0" dirty="0" err="1" smtClean="0"/>
+              <a:t>anderen</a:t>
+            </a:r>
+            <a:r>
+              <a:rPr lang="en-US" baseline="0" dirty="0" smtClean="0"/>
+              <a:t> </a:t>
+            </a:r>
+            <a:r>
+              <a:rPr lang="en-US" baseline="0" dirty="0" err="1" smtClean="0"/>
+              <a:t>Iterationen</a:t>
+            </a:r>
+            <a:r>
+              <a:rPr lang="en-US" baseline="0" dirty="0" smtClean="0"/>
+              <a:t> </a:t>
+            </a:r>
+            <a:r>
+              <a:rPr lang="en-US" baseline="0" dirty="0" err="1" smtClean="0"/>
+              <a:t>berücksichtigt</a:t>
+            </a:r>
+            <a:r>
+              <a:rPr lang="en-US" baseline="0" dirty="0" smtClean="0"/>
+              <a:t>.</a:t>
+            </a:r>
+          </a:p>
+          <a:p>
+            <a:endParaRPr lang="de-CH" dirty="0"/>
+          </a:p>
+        </p:txBody>
+      </p:sp>
+      <p:sp>
+        <p:nvSpPr>
+          <p:cNvPr id="4" name="Foliennummernplatzhalter 3"/>
+          <p:cNvSpPr>
+            <a:spLocks noGrp="1"/>
+          </p:cNvSpPr>
+          <p:nvPr>
+            <p:ph type="sldNum" sz="quarter" idx="10"/>
+          </p:nvPr>
+        </p:nvSpPr>
+        <p:spPr/>
+        <p:txBody>
+          <a:bodyPr/>
+          <a:lstStyle/>
+          <a:p>
+            <a:fld id="{9E11EC53-F507-411E-9ADC-FBCFECE09D3D}" type="slidenum">
+              <a:rPr lang="de-CH" smtClean="0"/>
+              <a:t>7</a:t>
+            </a:fld>
+            <a:endParaRPr lang="de-CH"/>
+          </a:p>
+        </p:txBody>
+      </p:sp>
+    </p:spTree>
+    <p:extLst>
+      <p:ext uri="{BB962C8B-B14F-4D97-AF65-F5344CB8AC3E}">
+        <p14:creationId xmlns:p14="http://schemas.microsoft.com/office/powerpoint/2010/main" val="3398317236"/>
+      </p:ext>
+    </p:extLst>
+  </p:cSld>
+  <p:clrMapOvr>
+    <a:masterClrMapping/>
+  </p:clrMapOvr>
+</p:notes>
+</file>
+
+<file path=ppt/notesSlides/notesSlide6.xml><?xml version="1.0" encoding="utf-8"?>
+<p:notes xmlns:a="http://schemas.openxmlformats.org/drawingml/2006/main" xmlns:r="http://schemas.openxmlformats.org/officeDocument/2006/relationships" xmlns:p="http://schemas.openxmlformats.org/presentationml/2006/main">
+  <p:cSld>
+    <p:spTree>
+      <p:nvGrpSpPr>
+        <p:cNvPr id="1" name=""/>
+        <p:cNvGrpSpPr/>
+        <p:nvPr/>
+      </p:nvGrpSpPr>
+      <p:grpSpPr>
+        <a:xfrm>
+          <a:off x="0" y="0"/>
+          <a:ext cx="0" cy="0"/>
+          <a:chOff x="0" y="0"/>
+          <a:chExt cx="0" cy="0"/>
+        </a:xfrm>
+      </p:grpSpPr>
+      <p:sp>
+        <p:nvSpPr>
+          <p:cNvPr id="2" name="Folienbildplatzhalter 1"/>
+          <p:cNvSpPr>
+            <a:spLocks noGrp="1" noRot="1" noChangeAspect="1"/>
+          </p:cNvSpPr>
+          <p:nvPr>
+            <p:ph type="sldImg"/>
+          </p:nvPr>
+        </p:nvSpPr>
+        <p:spPr/>
+      </p:sp>
+      <p:sp>
+        <p:nvSpPr>
+          <p:cNvPr id="3" name="Notizenplatzhalter 2"/>
+          <p:cNvSpPr>
+            <a:spLocks noGrp="1"/>
+          </p:cNvSpPr>
+          <p:nvPr>
+            <p:ph type="body" idx="1"/>
+          </p:nvPr>
+        </p:nvSpPr>
+        <p:spPr/>
+        <p:txBody>
+          <a:bodyPr/>
+          <a:lstStyle/>
+          <a:p>
+            <a:r>
+              <a:rPr lang="en-US" dirty="0" err="1" smtClean="0"/>
               <a:t>Evt</a:t>
             </a:r>
             <a:r>
@@ -1569,7 +1653,7 @@
 </p:notes>
 </file>
 
-<file path=ppt/notesSlides/notesSlide6.xml><?xml version="1.0" encoding="utf-8"?>
+<file path=ppt/notesSlides/notesSlide7.xml><?xml version="1.0" encoding="utf-8"?>
 <p:notes xmlns:a="http://schemas.openxmlformats.org/drawingml/2006/main" xmlns:r="http://schemas.openxmlformats.org/officeDocument/2006/relationships" xmlns:p="http://schemas.openxmlformats.org/presentationml/2006/main">
   <p:cSld>
     <p:spTree>
@@ -6652,7 +6736,7 @@
   </p:txStyles>
   <p:extLst mod="1">
     <p:ext uri="{27BBF7A9-308A-43DC-89C8-2F10F3537804}">
-      <p15:sldGuideLst xmlns:p15="http://schemas.microsoft.com/office/powerpoint/2012/main" xmlns="">
+      <p15:sldGuideLst xmlns="" xmlns:p15="http://schemas.microsoft.com/office/powerpoint/2012/main">
         <p15:guide id="1" orient="horz" pos="2160">
           <p15:clr>
             <a:srgbClr val="F26B43"/>
@@ -7688,7 +7772,7 @@
           <p:nvPr/>
         </p:nvPicPr>
         <p:blipFill>
-          <a:blip r:embed="rId2">
+          <a:blip r:embed="rId3">
             <a:extLst>
               <a:ext uri="{28A0092B-C50C-407E-A947-70E740481C1C}">
                 <a14:useLocalDpi xmlns:a14="http://schemas.microsoft.com/office/drawing/2010/main" val="0"/>
@@ -8005,11 +8089,7 @@
             </a:r>
             <a:r>
               <a:rPr lang="en-US" dirty="0" smtClean="0"/>
-              <a:t> </a:t>
-            </a:r>
-            <a:r>
-              <a:rPr lang="en-US" dirty="0" smtClean="0"/>
-              <a:t>Iteration</a:t>
+              <a:t> Iteration</a:t>
             </a:r>
           </a:p>
           <a:p>
@@ -8240,7 +8320,6 @@
               <a:rPr lang="en-US" dirty="0" smtClean="0"/>
               <a:t> Meeting </a:t>
             </a:r>
-            <a:endParaRPr lang="en-US" dirty="0" smtClean="0"/>
           </a:p>
           <a:p>
             <a:endParaRPr lang="en-US" dirty="0" smtClean="0"/>
@@ -8488,11 +8567,7 @@
             </a:r>
             <a:r>
               <a:rPr lang="en-US" dirty="0" smtClean="0"/>
-              <a:t>/ User </a:t>
-            </a:r>
-            <a:r>
-              <a:rPr lang="en-US" dirty="0" smtClean="0"/>
-              <a:t>Feedback</a:t>
+              <a:t>/ User Feedback</a:t>
             </a:r>
             <a:br>
               <a:rPr lang="en-US" dirty="0" smtClean="0"/>
